--- a/Concevoir/01_BasesCommunicationTechnique/02_ElementsFiletes/Cours/PPT/07_CPT_02_ElementsFiletes_PPT.pptx
+++ b/Concevoir/01_BasesCommunicationTechnique/02_ElementsFiletes/Cours/PPT/07_CPT_02_ElementsFiletes_PPT.pptx
@@ -133,6 +133,22 @@
       </a:defRPr>
     </a:lvl9pPr>
   </p:defaultTextStyle>
+  <p:extLst>
+    <p:ext uri="{EFAFB233-063F-42B5-8137-9DF3F51BA10A}">
+      <p15:sldGuideLst xmlns:p15="http://schemas.microsoft.com/office/powerpoint/2012/main">
+        <p15:guide id="1" orient="horz" pos="2160">
+          <p15:clr>
+            <a:srgbClr val="A4A3A4"/>
+          </p15:clr>
+        </p15:guide>
+        <p15:guide id="2" pos="2880">
+          <p15:clr>
+            <a:srgbClr val="A4A3A4"/>
+          </p15:clr>
+        </p15:guide>
+      </p15:sldGuideLst>
+    </p:ext>
+  </p:extLst>
 </p:presentation>
 </file>
 
@@ -5091,7 +5107,7 @@
             <a:fld id="{408F55C5-7F94-4427-AC6E-B68A66649CA8}" type="datetimeFigureOut">
               <a:rPr lang="fr-FR" smtClean="0"/>
               <a:pPr/>
-              <a:t>16/09/2014</a:t>
+              <a:t>17/09/2014</a:t>
             </a:fld>
             <a:endParaRPr lang="fr-FR"/>
           </a:p>
@@ -5498,7 +5514,7 @@
             <a:fld id="{157AD097-CF25-400F-9C67-922D507E39E3}" type="datetime1">
               <a:rPr lang="fr-FR" smtClean="0"/>
               <a:pPr/>
-              <a:t>16/09/2014</a:t>
+              <a:t>17/09/2014</a:t>
             </a:fld>
             <a:endParaRPr lang="fr-BE"/>
           </a:p>
@@ -6369,7 +6385,7 @@
             <a:fld id="{78229857-C006-49ED-82CD-E790681050DC}" type="datetime1">
               <a:rPr lang="fr-FR" smtClean="0"/>
               <a:pPr/>
-              <a:t>16/09/2014</a:t>
+              <a:t>17/09/2014</a:t>
             </a:fld>
             <a:endParaRPr lang="fr-BE"/>
           </a:p>
@@ -6546,7 +6562,7 @@
             <a:fld id="{F2970974-19F1-449C-919E-2C8366603CD1}" type="datetime1">
               <a:rPr lang="fr-FR" smtClean="0"/>
               <a:pPr/>
-              <a:t>16/09/2014</a:t>
+              <a:t>17/09/2014</a:t>
             </a:fld>
             <a:endParaRPr lang="fr-BE"/>
           </a:p>
@@ -6718,7 +6734,7 @@
             <a:fld id="{89865026-BDA5-4DC2-B00A-0513069CA084}" type="datetime1">
               <a:rPr lang="fr-FR" smtClean="0"/>
               <a:pPr/>
-              <a:t>16/09/2014</a:t>
+              <a:t>17/09/2014</a:t>
             </a:fld>
             <a:endParaRPr lang="fr-BE"/>
           </a:p>
@@ -6937,7 +6953,7 @@
             <a:fld id="{4C789780-CD60-413A-9061-7DBABD3D6AED}" type="datetime1">
               <a:rPr lang="fr-FR" smtClean="0"/>
               <a:pPr/>
-              <a:t>16/09/2014</a:t>
+              <a:t>17/09/2014</a:t>
             </a:fld>
             <a:endParaRPr lang="fr-BE"/>
           </a:p>
@@ -7753,7 +7769,7 @@
             <a:fld id="{04739DA2-C332-458D-AEE9-D9863488067A}" type="datetime1">
               <a:rPr lang="fr-FR" smtClean="0"/>
               <a:pPr/>
-              <a:t>16/09/2014</a:t>
+              <a:t>17/09/2014</a:t>
             </a:fld>
             <a:endParaRPr lang="fr-BE"/>
           </a:p>
@@ -7991,7 +8007,7 @@
             <a:fld id="{4C37F864-99D4-45B4-AADD-04DC06778D45}" type="datetime1">
               <a:rPr lang="fr-FR" smtClean="0"/>
               <a:pPr/>
-              <a:t>16/09/2014</a:t>
+              <a:t>17/09/2014</a:t>
             </a:fld>
             <a:endParaRPr lang="fr-BE"/>
           </a:p>
@@ -8316,7 +8332,7 @@
             <a:fld id="{BD4C6D35-5A34-4B39-A1A0-412224085525}" type="datetime1">
               <a:rPr lang="fr-FR" smtClean="0"/>
               <a:pPr/>
-              <a:t>16/09/2014</a:t>
+              <a:t>17/09/2014</a:t>
             </a:fld>
             <a:endParaRPr lang="fr-BE"/>
           </a:p>
@@ -8408,7 +8424,7 @@
             <a:fld id="{89ACD590-7819-428A-83D8-2A609DA0F2C8}" type="datetime1">
               <a:rPr lang="fr-FR" smtClean="0"/>
               <a:pPr/>
-              <a:t>16/09/2014</a:t>
+              <a:t>17/09/2014</a:t>
             </a:fld>
             <a:endParaRPr lang="fr-BE"/>
           </a:p>
@@ -8927,7 +8943,7 @@
             <a:fld id="{3F623AD0-8980-4C29-A58A-6AB0E36F0D8E}" type="datetime1">
               <a:rPr lang="fr-FR" smtClean="0"/>
               <a:pPr/>
-              <a:t>16/09/2014</a:t>
+              <a:t>17/09/2014</a:t>
             </a:fld>
             <a:endParaRPr lang="fr-BE"/>
           </a:p>
@@ -9440,7 +9456,7 @@
             <a:fld id="{2CA04EA8-727F-4941-9878-F8E38D4B16C7}" type="datetime1">
               <a:rPr lang="fr-FR" smtClean="0"/>
               <a:pPr/>
-              <a:t>16/09/2014</a:t>
+              <a:t>17/09/2014</a:t>
             </a:fld>
             <a:endParaRPr lang="fr-BE"/>
           </a:p>
@@ -9687,7 +9703,7 @@
             <a:fld id="{559945B3-C1AE-4CD9-90D7-C9EAD56DB5B5}" type="datetime1">
               <a:rPr lang="fr-FR" smtClean="0"/>
               <a:pPr/>
-              <a:t>16/09/2014</a:t>
+              <a:t>17/09/2014</a:t>
             </a:fld>
             <a:endParaRPr lang="fr-BE"/>
           </a:p>
@@ -11042,6 +11058,13 @@
   <p:clrMapOvr>
     <a:masterClrMapping/>
   </p:clrMapOvr>
+  <p:timing>
+    <p:tnLst>
+      <p:par>
+        <p:cTn id="1" dur="indefinite" restart="never" nodeType="tmRoot"/>
+      </p:par>
+    </p:tnLst>
+  </p:timing>
 </p:sld>
 </file>
 
@@ -11188,6 +11211,13 @@
   <p:clrMapOvr>
     <a:masterClrMapping/>
   </p:clrMapOvr>
+  <p:timing>
+    <p:tnLst>
+      <p:par>
+        <p:cTn id="1" dur="indefinite" restart="never" nodeType="tmRoot"/>
+      </p:par>
+    </p:tnLst>
+  </p:timing>
 </p:sld>
 </file>
 
@@ -11367,6 +11397,13 @@
   <p:clrMapOvr>
     <a:masterClrMapping/>
   </p:clrMapOvr>
+  <p:timing>
+    <p:tnLst>
+      <p:par>
+        <p:cTn id="1" dur="indefinite" restart="never" nodeType="tmRoot"/>
+      </p:par>
+    </p:tnLst>
+  </p:timing>
 </p:sld>
 </file>
 
@@ -11562,6 +11599,13 @@
   <p:clrMapOvr>
     <a:masterClrMapping/>
   </p:clrMapOvr>
+  <p:timing>
+    <p:tnLst>
+      <p:par>
+        <p:cTn id="1" dur="indefinite" restart="never" nodeType="tmRoot"/>
+      </p:par>
+    </p:tnLst>
+  </p:timing>
 </p:sld>
 </file>
 
@@ -11682,6 +11726,13 @@
   <p:clrMapOvr>
     <a:masterClrMapping/>
   </p:clrMapOvr>
+  <p:timing>
+    <p:tnLst>
+      <p:par>
+        <p:cTn id="1" dur="indefinite" restart="never" nodeType="tmRoot"/>
+      </p:par>
+    </p:tnLst>
+  </p:timing>
 </p:sld>
 </file>
 
@@ -11844,6 +11895,13 @@
   <p:clrMapOvr>
     <a:masterClrMapping/>
   </p:clrMapOvr>
+  <p:timing>
+    <p:tnLst>
+      <p:par>
+        <p:cTn id="1" dur="indefinite" restart="never" nodeType="tmRoot"/>
+      </p:par>
+    </p:tnLst>
+  </p:timing>
 </p:sld>
 </file>
 
@@ -12012,6 +12070,13 @@
   <p:clrMapOvr>
     <a:masterClrMapping/>
   </p:clrMapOvr>
+  <p:timing>
+    <p:tnLst>
+      <p:par>
+        <p:cTn id="1" dur="indefinite" restart="never" nodeType="tmRoot"/>
+      </p:par>
+    </p:tnLst>
+  </p:timing>
 </p:sld>
 </file>
 
@@ -12164,6 +12229,13 @@
   <p:clrMapOvr>
     <a:masterClrMapping/>
   </p:clrMapOvr>
+  <p:timing>
+    <p:tnLst>
+      <p:par>
+        <p:cTn id="1" dur="indefinite" restart="never" nodeType="tmRoot"/>
+      </p:par>
+    </p:tnLst>
+  </p:timing>
 </p:sld>
 </file>
 
@@ -12323,6 +12395,13 @@
   <p:clrMapOvr>
     <a:masterClrMapping/>
   </p:clrMapOvr>
+  <p:timing>
+    <p:tnLst>
+      <p:par>
+        <p:cTn id="1" dur="indefinite" restart="never" nodeType="tmRoot"/>
+      </p:par>
+    </p:tnLst>
+  </p:timing>
 </p:sld>
 </file>
 
@@ -12468,6 +12547,13 @@
   <p:clrMapOvr>
     <a:masterClrMapping/>
   </p:clrMapOvr>
+  <p:timing>
+    <p:tnLst>
+      <p:par>
+        <p:cTn id="1" dur="indefinite" restart="never" nodeType="tmRoot"/>
+      </p:par>
+    </p:tnLst>
+  </p:timing>
 </p:sld>
 </file>
 
@@ -12599,6 +12685,13 @@
   <p:clrMapOvr>
     <a:masterClrMapping/>
   </p:clrMapOvr>
+  <p:timing>
+    <p:tnLst>
+      <p:par>
+        <p:cTn id="1" dur="indefinite" restart="never" nodeType="tmRoot"/>
+      </p:par>
+    </p:tnLst>
+  </p:timing>
 </p:sld>
 </file>
 
@@ -12738,6 +12831,13 @@
   <p:clrMapOvr>
     <a:masterClrMapping/>
   </p:clrMapOvr>
+  <p:timing>
+    <p:tnLst>
+      <p:par>
+        <p:cTn id="1" dur="indefinite" restart="never" nodeType="tmRoot"/>
+      </p:par>
+    </p:tnLst>
+  </p:timing>
 </p:sld>
 </file>
 
@@ -12914,6 +13014,13 @@
   <p:clrMapOvr>
     <a:masterClrMapping/>
   </p:clrMapOvr>
+  <p:timing>
+    <p:tnLst>
+      <p:par>
+        <p:cTn id="1" dur="indefinite" restart="never" nodeType="tmRoot"/>
+      </p:par>
+    </p:tnLst>
+  </p:timing>
 </p:sld>
 </file>
 
@@ -13120,6 +13227,13 @@
   <p:clrMapOvr>
     <a:masterClrMapping/>
   </p:clrMapOvr>
+  <p:timing>
+    <p:tnLst>
+      <p:par>
+        <p:cTn id="1" dur="indefinite" restart="never" nodeType="tmRoot"/>
+      </p:par>
+    </p:tnLst>
+  </p:timing>
 </p:sld>
 </file>
 
@@ -14133,6 +14247,13 @@
   <p:clrMapOvr>
     <a:masterClrMapping/>
   </p:clrMapOvr>
+  <p:timing>
+    <p:tnLst>
+      <p:par>
+        <p:cTn id="1" dur="indefinite" restart="never" nodeType="tmRoot"/>
+      </p:par>
+    </p:tnLst>
+  </p:timing>
 </p:sld>
 </file>
 
@@ -14303,6 +14424,13 @@
   <p:clrMapOvr>
     <a:masterClrMapping/>
   </p:clrMapOvr>
+  <p:timing>
+    <p:tnLst>
+      <p:par>
+        <p:cTn id="1" dur="indefinite" restart="never" nodeType="tmRoot"/>
+      </p:par>
+    </p:tnLst>
+  </p:timing>
 </p:sld>
 </file>
 
@@ -14460,6 +14588,668 @@
           </a:ln>
         </p:spPr>
       </p:pic>
+      <p:cxnSp>
+        <p:nvCxnSpPr>
+          <p:cNvPr id="7" name="Connecteur droit 6"/>
+          <p:cNvCxnSpPr/>
+          <p:nvPr/>
+        </p:nvCxnSpPr>
+        <p:spPr>
+          <a:xfrm>
+            <a:off x="2339752" y="3645024"/>
+            <a:ext cx="0" cy="1296144"/>
+          </a:xfrm>
+          <a:prstGeom prst="line">
+            <a:avLst/>
+          </a:prstGeom>
+          <a:ln w="38100">
+            <a:solidFill>
+              <a:schemeClr val="tx1"/>
+            </a:solidFill>
+          </a:ln>
+        </p:spPr>
+        <p:style>
+          <a:lnRef idx="1">
+            <a:schemeClr val="accent1"/>
+          </a:lnRef>
+          <a:fillRef idx="0">
+            <a:schemeClr val="accent1"/>
+          </a:fillRef>
+          <a:effectRef idx="0">
+            <a:schemeClr val="accent1"/>
+          </a:effectRef>
+          <a:fontRef idx="minor">
+            <a:schemeClr val="tx1"/>
+          </a:fontRef>
+        </p:style>
+      </p:cxnSp>
+      <p:cxnSp>
+        <p:nvCxnSpPr>
+          <p:cNvPr id="8" name="Connecteur droit 7"/>
+          <p:cNvCxnSpPr/>
+          <p:nvPr/>
+        </p:nvCxnSpPr>
+        <p:spPr>
+          <a:xfrm>
+            <a:off x="3131840" y="3645024"/>
+            <a:ext cx="0" cy="1296144"/>
+          </a:xfrm>
+          <a:prstGeom prst="line">
+            <a:avLst/>
+          </a:prstGeom>
+          <a:ln w="38100">
+            <a:solidFill>
+              <a:schemeClr val="tx1"/>
+            </a:solidFill>
+          </a:ln>
+        </p:spPr>
+        <p:style>
+          <a:lnRef idx="1">
+            <a:schemeClr val="accent1"/>
+          </a:lnRef>
+          <a:fillRef idx="0">
+            <a:schemeClr val="accent1"/>
+          </a:fillRef>
+          <a:effectRef idx="0">
+            <a:schemeClr val="accent1"/>
+          </a:effectRef>
+          <a:fontRef idx="minor">
+            <a:schemeClr val="tx1"/>
+          </a:fontRef>
+        </p:style>
+      </p:cxnSp>
+      <p:cxnSp>
+        <p:nvCxnSpPr>
+          <p:cNvPr id="9" name="Connecteur droit 8"/>
+          <p:cNvCxnSpPr/>
+          <p:nvPr/>
+        </p:nvCxnSpPr>
+        <p:spPr>
+          <a:xfrm flipH="1">
+            <a:off x="2339752" y="4941168"/>
+            <a:ext cx="792088" cy="0"/>
+          </a:xfrm>
+          <a:prstGeom prst="line">
+            <a:avLst/>
+          </a:prstGeom>
+          <a:ln w="38100">
+            <a:solidFill>
+              <a:schemeClr val="tx1"/>
+            </a:solidFill>
+          </a:ln>
+        </p:spPr>
+        <p:style>
+          <a:lnRef idx="1">
+            <a:schemeClr val="accent1"/>
+          </a:lnRef>
+          <a:fillRef idx="0">
+            <a:schemeClr val="accent1"/>
+          </a:fillRef>
+          <a:effectRef idx="0">
+            <a:schemeClr val="accent1"/>
+          </a:effectRef>
+          <a:fontRef idx="minor">
+            <a:schemeClr val="tx1"/>
+          </a:fontRef>
+        </p:style>
+      </p:cxnSp>
+      <p:cxnSp>
+        <p:nvCxnSpPr>
+          <p:cNvPr id="12" name="Connecteur droit 11"/>
+          <p:cNvCxnSpPr/>
+          <p:nvPr/>
+        </p:nvCxnSpPr>
+        <p:spPr>
+          <a:xfrm flipH="1">
+            <a:off x="2699792" y="4941168"/>
+            <a:ext cx="432048" cy="144016"/>
+          </a:xfrm>
+          <a:prstGeom prst="line">
+            <a:avLst/>
+          </a:prstGeom>
+          <a:ln w="38100">
+            <a:solidFill>
+              <a:schemeClr val="tx1"/>
+            </a:solidFill>
+          </a:ln>
+        </p:spPr>
+        <p:style>
+          <a:lnRef idx="1">
+            <a:schemeClr val="accent1"/>
+          </a:lnRef>
+          <a:fillRef idx="0">
+            <a:schemeClr val="accent1"/>
+          </a:fillRef>
+          <a:effectRef idx="0">
+            <a:schemeClr val="accent1"/>
+          </a:effectRef>
+          <a:fontRef idx="minor">
+            <a:schemeClr val="tx1"/>
+          </a:fontRef>
+        </p:style>
+      </p:cxnSp>
+      <p:cxnSp>
+        <p:nvCxnSpPr>
+          <p:cNvPr id="15" name="Connecteur droit 14"/>
+          <p:cNvCxnSpPr/>
+          <p:nvPr/>
+        </p:nvCxnSpPr>
+        <p:spPr>
+          <a:xfrm>
+            <a:off x="2336973" y="4941168"/>
+            <a:ext cx="432048" cy="144016"/>
+          </a:xfrm>
+          <a:prstGeom prst="line">
+            <a:avLst/>
+          </a:prstGeom>
+          <a:ln w="38100">
+            <a:solidFill>
+              <a:schemeClr val="tx1"/>
+            </a:solidFill>
+          </a:ln>
+        </p:spPr>
+        <p:style>
+          <a:lnRef idx="1">
+            <a:schemeClr val="accent1"/>
+          </a:lnRef>
+          <a:fillRef idx="0">
+            <a:schemeClr val="accent1"/>
+          </a:fillRef>
+          <a:effectRef idx="0">
+            <a:schemeClr val="accent1"/>
+          </a:effectRef>
+          <a:fontRef idx="minor">
+            <a:schemeClr val="tx1"/>
+          </a:fontRef>
+        </p:style>
+      </p:cxnSp>
+      <p:cxnSp>
+        <p:nvCxnSpPr>
+          <p:cNvPr id="16" name="Connecteur droit 15"/>
+          <p:cNvCxnSpPr/>
+          <p:nvPr/>
+        </p:nvCxnSpPr>
+        <p:spPr>
+          <a:xfrm flipH="1">
+            <a:off x="2277294" y="4581128"/>
+            <a:ext cx="926554" cy="0"/>
+          </a:xfrm>
+          <a:prstGeom prst="line">
+            <a:avLst/>
+          </a:prstGeom>
+          <a:ln w="19050">
+            <a:solidFill>
+              <a:schemeClr val="tx1"/>
+            </a:solidFill>
+          </a:ln>
+        </p:spPr>
+        <p:style>
+          <a:lnRef idx="1">
+            <a:schemeClr val="accent1"/>
+          </a:lnRef>
+          <a:fillRef idx="0">
+            <a:schemeClr val="accent1"/>
+          </a:fillRef>
+          <a:effectRef idx="0">
+            <a:schemeClr val="accent1"/>
+          </a:effectRef>
+          <a:fontRef idx="minor">
+            <a:schemeClr val="tx1"/>
+          </a:fontRef>
+        </p:style>
+      </p:cxnSp>
+      <p:cxnSp>
+        <p:nvCxnSpPr>
+          <p:cNvPr id="18" name="Connecteur droit 17"/>
+          <p:cNvCxnSpPr/>
+          <p:nvPr/>
+        </p:nvCxnSpPr>
+        <p:spPr>
+          <a:xfrm flipV="1">
+            <a:off x="3184798" y="3645024"/>
+            <a:ext cx="0" cy="936104"/>
+          </a:xfrm>
+          <a:prstGeom prst="line">
+            <a:avLst/>
+          </a:prstGeom>
+          <a:ln w="19050">
+            <a:solidFill>
+              <a:schemeClr val="tx1"/>
+            </a:solidFill>
+          </a:ln>
+        </p:spPr>
+        <p:style>
+          <a:lnRef idx="1">
+            <a:schemeClr val="accent1"/>
+          </a:lnRef>
+          <a:fillRef idx="0">
+            <a:schemeClr val="accent1"/>
+          </a:fillRef>
+          <a:effectRef idx="0">
+            <a:schemeClr val="accent1"/>
+          </a:effectRef>
+          <a:fontRef idx="minor">
+            <a:schemeClr val="tx1"/>
+          </a:fontRef>
+        </p:style>
+      </p:cxnSp>
+      <p:cxnSp>
+        <p:nvCxnSpPr>
+          <p:cNvPr id="22" name="Connecteur droit 21"/>
+          <p:cNvCxnSpPr/>
+          <p:nvPr/>
+        </p:nvCxnSpPr>
+        <p:spPr>
+          <a:xfrm flipV="1">
+            <a:off x="2277294" y="3645024"/>
+            <a:ext cx="0" cy="936104"/>
+          </a:xfrm>
+          <a:prstGeom prst="line">
+            <a:avLst/>
+          </a:prstGeom>
+          <a:ln w="19050">
+            <a:solidFill>
+              <a:schemeClr val="tx1"/>
+            </a:solidFill>
+          </a:ln>
+        </p:spPr>
+        <p:style>
+          <a:lnRef idx="1">
+            <a:schemeClr val="accent1"/>
+          </a:lnRef>
+          <a:fillRef idx="0">
+            <a:schemeClr val="accent1"/>
+          </a:fillRef>
+          <a:effectRef idx="0">
+            <a:schemeClr val="accent1"/>
+          </a:effectRef>
+          <a:fontRef idx="minor">
+            <a:schemeClr val="tx1"/>
+          </a:fontRef>
+        </p:style>
+      </p:cxnSp>
+      <p:cxnSp>
+        <p:nvCxnSpPr>
+          <p:cNvPr id="23" name="Connecteur droit 22"/>
+          <p:cNvCxnSpPr/>
+          <p:nvPr/>
+        </p:nvCxnSpPr>
+        <p:spPr>
+          <a:xfrm>
+            <a:off x="3983606" y="3717032"/>
+            <a:ext cx="2779" cy="1224136"/>
+          </a:xfrm>
+          <a:prstGeom prst="line">
+            <a:avLst/>
+          </a:prstGeom>
+          <a:ln w="19050">
+            <a:solidFill>
+              <a:schemeClr val="tx1"/>
+            </a:solidFill>
+            <a:prstDash val="dash"/>
+          </a:ln>
+        </p:spPr>
+        <p:style>
+          <a:lnRef idx="1">
+            <a:schemeClr val="accent1"/>
+          </a:lnRef>
+          <a:fillRef idx="0">
+            <a:schemeClr val="accent1"/>
+          </a:fillRef>
+          <a:effectRef idx="0">
+            <a:schemeClr val="accent1"/>
+          </a:effectRef>
+          <a:fontRef idx="minor">
+            <a:schemeClr val="tx1"/>
+          </a:fontRef>
+        </p:style>
+      </p:cxnSp>
+      <p:cxnSp>
+        <p:nvCxnSpPr>
+          <p:cNvPr id="24" name="Connecteur droit 23"/>
+          <p:cNvCxnSpPr/>
+          <p:nvPr/>
+        </p:nvCxnSpPr>
+        <p:spPr>
+          <a:xfrm>
+            <a:off x="4778473" y="3717032"/>
+            <a:ext cx="0" cy="1224136"/>
+          </a:xfrm>
+          <a:prstGeom prst="line">
+            <a:avLst/>
+          </a:prstGeom>
+          <a:ln w="19050">
+            <a:solidFill>
+              <a:schemeClr val="tx1"/>
+            </a:solidFill>
+            <a:prstDash val="dash"/>
+          </a:ln>
+        </p:spPr>
+        <p:style>
+          <a:lnRef idx="1">
+            <a:schemeClr val="accent1"/>
+          </a:lnRef>
+          <a:fillRef idx="0">
+            <a:schemeClr val="accent1"/>
+          </a:fillRef>
+          <a:effectRef idx="0">
+            <a:schemeClr val="accent1"/>
+          </a:effectRef>
+          <a:fontRef idx="minor">
+            <a:schemeClr val="tx1"/>
+          </a:fontRef>
+        </p:style>
+      </p:cxnSp>
+      <p:cxnSp>
+        <p:nvCxnSpPr>
+          <p:cNvPr id="25" name="Connecteur droit 24"/>
+          <p:cNvCxnSpPr/>
+          <p:nvPr/>
+        </p:nvCxnSpPr>
+        <p:spPr>
+          <a:xfrm flipH="1">
+            <a:off x="3986385" y="4941168"/>
+            <a:ext cx="792088" cy="0"/>
+          </a:xfrm>
+          <a:prstGeom prst="line">
+            <a:avLst/>
+          </a:prstGeom>
+          <a:ln w="19050">
+            <a:solidFill>
+              <a:schemeClr val="tx1"/>
+            </a:solidFill>
+            <a:prstDash val="dash"/>
+          </a:ln>
+        </p:spPr>
+        <p:style>
+          <a:lnRef idx="1">
+            <a:schemeClr val="accent1"/>
+          </a:lnRef>
+          <a:fillRef idx="0">
+            <a:schemeClr val="accent1"/>
+          </a:fillRef>
+          <a:effectRef idx="0">
+            <a:schemeClr val="accent1"/>
+          </a:effectRef>
+          <a:fontRef idx="minor">
+            <a:schemeClr val="tx1"/>
+          </a:fontRef>
+        </p:style>
+      </p:cxnSp>
+      <p:cxnSp>
+        <p:nvCxnSpPr>
+          <p:cNvPr id="26" name="Connecteur droit 25"/>
+          <p:cNvCxnSpPr/>
+          <p:nvPr/>
+        </p:nvCxnSpPr>
+        <p:spPr>
+          <a:xfrm flipH="1">
+            <a:off x="4346425" y="4941168"/>
+            <a:ext cx="432048" cy="144016"/>
+          </a:xfrm>
+          <a:prstGeom prst="line">
+            <a:avLst/>
+          </a:prstGeom>
+          <a:ln w="19050">
+            <a:solidFill>
+              <a:schemeClr val="tx1"/>
+            </a:solidFill>
+            <a:prstDash val="dash"/>
+          </a:ln>
+        </p:spPr>
+        <p:style>
+          <a:lnRef idx="1">
+            <a:schemeClr val="accent1"/>
+          </a:lnRef>
+          <a:fillRef idx="0">
+            <a:schemeClr val="accent1"/>
+          </a:fillRef>
+          <a:effectRef idx="0">
+            <a:schemeClr val="accent1"/>
+          </a:effectRef>
+          <a:fontRef idx="minor">
+            <a:schemeClr val="tx1"/>
+          </a:fontRef>
+        </p:style>
+      </p:cxnSp>
+      <p:cxnSp>
+        <p:nvCxnSpPr>
+          <p:cNvPr id="27" name="Connecteur droit 26"/>
+          <p:cNvCxnSpPr/>
+          <p:nvPr/>
+        </p:nvCxnSpPr>
+        <p:spPr>
+          <a:xfrm>
+            <a:off x="3983606" y="4941168"/>
+            <a:ext cx="432048" cy="144016"/>
+          </a:xfrm>
+          <a:prstGeom prst="line">
+            <a:avLst/>
+          </a:prstGeom>
+          <a:ln w="19050">
+            <a:solidFill>
+              <a:schemeClr val="tx1"/>
+            </a:solidFill>
+            <a:prstDash val="dash"/>
+          </a:ln>
+        </p:spPr>
+        <p:style>
+          <a:lnRef idx="1">
+            <a:schemeClr val="accent1"/>
+          </a:lnRef>
+          <a:fillRef idx="0">
+            <a:schemeClr val="accent1"/>
+          </a:fillRef>
+          <a:effectRef idx="0">
+            <a:schemeClr val="accent1"/>
+          </a:effectRef>
+          <a:fontRef idx="minor">
+            <a:schemeClr val="tx1"/>
+          </a:fontRef>
+        </p:style>
+      </p:cxnSp>
+      <p:cxnSp>
+        <p:nvCxnSpPr>
+          <p:cNvPr id="28" name="Connecteur droit 27"/>
+          <p:cNvCxnSpPr/>
+          <p:nvPr/>
+        </p:nvCxnSpPr>
+        <p:spPr>
+          <a:xfrm flipH="1">
+            <a:off x="3923927" y="4581128"/>
+            <a:ext cx="926554" cy="0"/>
+          </a:xfrm>
+          <a:prstGeom prst="line">
+            <a:avLst/>
+          </a:prstGeom>
+          <a:ln w="19050">
+            <a:solidFill>
+              <a:schemeClr val="tx1"/>
+            </a:solidFill>
+            <a:prstDash val="dash"/>
+          </a:ln>
+        </p:spPr>
+        <p:style>
+          <a:lnRef idx="1">
+            <a:schemeClr val="accent1"/>
+          </a:lnRef>
+          <a:fillRef idx="0">
+            <a:schemeClr val="accent1"/>
+          </a:fillRef>
+          <a:effectRef idx="0">
+            <a:schemeClr val="accent1"/>
+          </a:effectRef>
+          <a:fontRef idx="minor">
+            <a:schemeClr val="tx1"/>
+          </a:fontRef>
+        </p:style>
+      </p:cxnSp>
+      <p:cxnSp>
+        <p:nvCxnSpPr>
+          <p:cNvPr id="29" name="Connecteur droit 28"/>
+          <p:cNvCxnSpPr/>
+          <p:nvPr/>
+        </p:nvCxnSpPr>
+        <p:spPr>
+          <a:xfrm flipV="1">
+            <a:off x="4831431" y="3645024"/>
+            <a:ext cx="0" cy="936104"/>
+          </a:xfrm>
+          <a:prstGeom prst="line">
+            <a:avLst/>
+          </a:prstGeom>
+          <a:ln w="19050">
+            <a:solidFill>
+              <a:schemeClr val="tx1"/>
+            </a:solidFill>
+            <a:prstDash val="dash"/>
+          </a:ln>
+        </p:spPr>
+        <p:style>
+          <a:lnRef idx="1">
+            <a:schemeClr val="accent1"/>
+          </a:lnRef>
+          <a:fillRef idx="0">
+            <a:schemeClr val="accent1"/>
+          </a:fillRef>
+          <a:effectRef idx="0">
+            <a:schemeClr val="accent1"/>
+          </a:effectRef>
+          <a:fontRef idx="minor">
+            <a:schemeClr val="tx1"/>
+          </a:fontRef>
+        </p:style>
+      </p:cxnSp>
+      <p:cxnSp>
+        <p:nvCxnSpPr>
+          <p:cNvPr id="30" name="Connecteur droit 29"/>
+          <p:cNvCxnSpPr/>
+          <p:nvPr/>
+        </p:nvCxnSpPr>
+        <p:spPr>
+          <a:xfrm flipV="1">
+            <a:off x="3923927" y="3645024"/>
+            <a:ext cx="0" cy="936104"/>
+          </a:xfrm>
+          <a:prstGeom prst="line">
+            <a:avLst/>
+          </a:prstGeom>
+          <a:ln w="19050">
+            <a:solidFill>
+              <a:schemeClr val="tx1"/>
+            </a:solidFill>
+            <a:prstDash val="dash"/>
+          </a:ln>
+        </p:spPr>
+        <p:style>
+          <a:lnRef idx="1">
+            <a:schemeClr val="accent1"/>
+          </a:lnRef>
+          <a:fillRef idx="0">
+            <a:schemeClr val="accent1"/>
+          </a:fillRef>
+          <a:effectRef idx="0">
+            <a:schemeClr val="accent1"/>
+          </a:effectRef>
+          <a:fontRef idx="minor">
+            <a:schemeClr val="tx1"/>
+          </a:fontRef>
+        </p:style>
+      </p:cxnSp>
+      <p:sp>
+        <p:nvSpPr>
+          <p:cNvPr id="33" name="Ellipse 32"/>
+          <p:cNvSpPr/>
+          <p:nvPr/>
+        </p:nvSpPr>
+        <p:spPr>
+          <a:xfrm>
+            <a:off x="2339874" y="5598610"/>
+            <a:ext cx="773039" cy="792088"/>
+          </a:xfrm>
+          <a:prstGeom prst="ellipse">
+            <a:avLst/>
+          </a:prstGeom>
+          <a:solidFill>
+            <a:schemeClr val="bg1"/>
+          </a:solidFill>
+          <a:ln w="38100">
+            <a:solidFill>
+              <a:schemeClr val="tx1"/>
+            </a:solidFill>
+          </a:ln>
+        </p:spPr>
+        <p:style>
+          <a:lnRef idx="2">
+            <a:schemeClr val="accent1">
+              <a:shade val="50000"/>
+            </a:schemeClr>
+          </a:lnRef>
+          <a:fillRef idx="1">
+            <a:schemeClr val="accent1"/>
+          </a:fillRef>
+          <a:effectRef idx="0">
+            <a:schemeClr val="accent1"/>
+          </a:effectRef>
+          <a:fontRef idx="minor">
+            <a:schemeClr val="lt1"/>
+          </a:fontRef>
+        </p:style>
+        <p:txBody>
+          <a:bodyPr rtlCol="0" anchor="ctr"/>
+          <a:lstStyle/>
+          <a:p>
+            <a:pPr algn="ctr"/>
+            <a:endParaRPr lang="fr-FR"/>
+          </a:p>
+        </p:txBody>
+      </p:sp>
+      <p:sp>
+        <p:nvSpPr>
+          <p:cNvPr id="34" name="Arc 33"/>
+          <p:cNvSpPr/>
+          <p:nvPr/>
+        </p:nvSpPr>
+        <p:spPr>
+          <a:xfrm>
+            <a:off x="2267988" y="5536249"/>
+            <a:ext cx="916810" cy="916810"/>
+          </a:xfrm>
+          <a:prstGeom prst="arc">
+            <a:avLst>
+              <a:gd name="adj1" fmla="val 254448"/>
+              <a:gd name="adj2" fmla="val 16319166"/>
+            </a:avLst>
+          </a:prstGeom>
+          <a:ln w="19050">
+            <a:solidFill>
+              <a:schemeClr val="tx1"/>
+            </a:solidFill>
+          </a:ln>
+        </p:spPr>
+        <p:style>
+          <a:lnRef idx="1">
+            <a:schemeClr val="accent1"/>
+          </a:lnRef>
+          <a:fillRef idx="0">
+            <a:schemeClr val="accent1"/>
+          </a:fillRef>
+          <a:effectRef idx="0">
+            <a:schemeClr val="accent1"/>
+          </a:effectRef>
+          <a:fontRef idx="minor">
+            <a:schemeClr val="tx1"/>
+          </a:fontRef>
+        </p:style>
+        <p:txBody>
+          <a:bodyPr rtlCol="0" anchor="ctr"/>
+          <a:lstStyle/>
+          <a:p>
+            <a:pPr algn="ctr"/>
+            <a:endParaRPr lang="fr-FR"/>
+          </a:p>
+        </p:txBody>
+      </p:sp>
     </p:spTree>
     <p:extLst>
       <p:ext uri="{BB962C8B-B14F-4D97-AF65-F5344CB8AC3E}">
@@ -14470,6 +15260,13 @@
   <p:clrMapOvr>
     <a:masterClrMapping/>
   </p:clrMapOvr>
+  <p:timing>
+    <p:tnLst>
+      <p:par>
+        <p:cTn id="1" dur="indefinite" restart="never" nodeType="tmRoot"/>
+      </p:par>
+    </p:tnLst>
+  </p:timing>
 </p:sld>
 </file>
 
@@ -14553,7 +15350,19 @@
           <a:p>
             <a:r>
               <a:rPr lang="fr-FR" dirty="0" smtClean="0"/>
-              <a:t>En règle générale le filet n’atteint pas a base de la tête. </a:t>
+              <a:t>En règle générale le filet n’atteint pas </a:t>
+            </a:r>
+            <a:r>
+              <a:rPr lang="fr-FR" dirty="0"/>
+              <a:t>l</a:t>
+            </a:r>
+            <a:r>
+              <a:rPr lang="fr-FR" dirty="0" smtClean="0"/>
+              <a:t>a </a:t>
+            </a:r>
+            <a:r>
+              <a:rPr lang="fr-FR" dirty="0" smtClean="0"/>
+              <a:t>base de la tête. </a:t>
             </a:r>
             <a:endParaRPr lang="fr-FR" dirty="0"/>
           </a:p>
@@ -14613,6 +15422,806 @@
           </a:ln>
         </p:spPr>
       </p:pic>
+      <p:cxnSp>
+        <p:nvCxnSpPr>
+          <p:cNvPr id="9" name="Connecteur droit 8"/>
+          <p:cNvCxnSpPr/>
+          <p:nvPr/>
+        </p:nvCxnSpPr>
+        <p:spPr>
+          <a:xfrm flipV="1">
+            <a:off x="5868144" y="3264368"/>
+            <a:ext cx="432048" cy="380656"/>
+          </a:xfrm>
+          <a:prstGeom prst="line">
+            <a:avLst/>
+          </a:prstGeom>
+          <a:ln w="38100">
+            <a:solidFill>
+              <a:schemeClr val="tx1"/>
+            </a:solidFill>
+          </a:ln>
+        </p:spPr>
+        <p:style>
+          <a:lnRef idx="1">
+            <a:schemeClr val="accent1"/>
+          </a:lnRef>
+          <a:fillRef idx="0">
+            <a:schemeClr val="accent1"/>
+          </a:fillRef>
+          <a:effectRef idx="0">
+            <a:schemeClr val="accent1"/>
+          </a:effectRef>
+          <a:fontRef idx="minor">
+            <a:schemeClr val="tx1"/>
+          </a:fontRef>
+        </p:style>
+      </p:cxnSp>
+      <p:cxnSp>
+        <p:nvCxnSpPr>
+          <p:cNvPr id="12" name="Connecteur droit 11"/>
+          <p:cNvCxnSpPr/>
+          <p:nvPr/>
+        </p:nvCxnSpPr>
+        <p:spPr>
+          <a:xfrm>
+            <a:off x="5868144" y="4371577"/>
+            <a:ext cx="432048" cy="380656"/>
+          </a:xfrm>
+          <a:prstGeom prst="line">
+            <a:avLst/>
+          </a:prstGeom>
+          <a:ln w="38100">
+            <a:solidFill>
+              <a:schemeClr val="tx1"/>
+            </a:solidFill>
+          </a:ln>
+        </p:spPr>
+        <p:style>
+          <a:lnRef idx="1">
+            <a:schemeClr val="accent1"/>
+          </a:lnRef>
+          <a:fillRef idx="0">
+            <a:schemeClr val="accent1"/>
+          </a:fillRef>
+          <a:effectRef idx="0">
+            <a:schemeClr val="accent1"/>
+          </a:effectRef>
+          <a:fontRef idx="minor">
+            <a:schemeClr val="tx1"/>
+          </a:fontRef>
+        </p:style>
+      </p:cxnSp>
+      <p:grpSp>
+        <p:nvGrpSpPr>
+          <p:cNvPr id="34" name="Groupe 33"/>
+          <p:cNvGrpSpPr/>
+          <p:nvPr/>
+        </p:nvGrpSpPr>
+        <p:grpSpPr>
+          <a:xfrm>
+            <a:off x="2470271" y="3638552"/>
+            <a:ext cx="3397873" cy="733025"/>
+            <a:chOff x="2470271" y="3638552"/>
+            <a:chExt cx="3397873" cy="733025"/>
+          </a:xfrm>
+        </p:grpSpPr>
+        <p:cxnSp>
+          <p:nvCxnSpPr>
+            <p:cNvPr id="7" name="Connecteur droit 6"/>
+            <p:cNvCxnSpPr/>
+            <p:nvPr/>
+          </p:nvCxnSpPr>
+          <p:spPr>
+            <a:xfrm flipH="1">
+              <a:off x="2555776" y="3645024"/>
+              <a:ext cx="3312368" cy="0"/>
+            </a:xfrm>
+            <a:prstGeom prst="line">
+              <a:avLst/>
+            </a:prstGeom>
+            <a:ln w="38100">
+              <a:solidFill>
+                <a:schemeClr val="tx1"/>
+              </a:solidFill>
+            </a:ln>
+          </p:spPr>
+          <p:style>
+            <a:lnRef idx="1">
+              <a:schemeClr val="accent1"/>
+            </a:lnRef>
+            <a:fillRef idx="0">
+              <a:schemeClr val="accent1"/>
+            </a:fillRef>
+            <a:effectRef idx="0">
+              <a:schemeClr val="accent1"/>
+            </a:effectRef>
+            <a:fontRef idx="minor">
+              <a:schemeClr val="tx1"/>
+            </a:fontRef>
+          </p:style>
+        </p:cxnSp>
+        <p:cxnSp>
+          <p:nvCxnSpPr>
+            <p:cNvPr id="8" name="Connecteur droit 7"/>
+            <p:cNvCxnSpPr/>
+            <p:nvPr/>
+          </p:nvCxnSpPr>
+          <p:spPr>
+            <a:xfrm flipH="1">
+              <a:off x="2555776" y="4365104"/>
+              <a:ext cx="3312368" cy="0"/>
+            </a:xfrm>
+            <a:prstGeom prst="line">
+              <a:avLst/>
+            </a:prstGeom>
+            <a:ln w="38100">
+              <a:solidFill>
+                <a:schemeClr val="tx1"/>
+              </a:solidFill>
+            </a:ln>
+          </p:spPr>
+          <p:style>
+            <a:lnRef idx="1">
+              <a:schemeClr val="accent1"/>
+            </a:lnRef>
+            <a:fillRef idx="0">
+              <a:schemeClr val="accent1"/>
+            </a:fillRef>
+            <a:effectRef idx="0">
+              <a:schemeClr val="accent1"/>
+            </a:effectRef>
+            <a:fontRef idx="minor">
+              <a:schemeClr val="tx1"/>
+            </a:fontRef>
+          </p:style>
+        </p:cxnSp>
+        <p:cxnSp>
+          <p:nvCxnSpPr>
+            <p:cNvPr id="13" name="Connecteur droit 12"/>
+            <p:cNvCxnSpPr/>
+            <p:nvPr/>
+          </p:nvCxnSpPr>
+          <p:spPr>
+            <a:xfrm flipV="1">
+              <a:off x="5868144" y="3638552"/>
+              <a:ext cx="0" cy="733025"/>
+            </a:xfrm>
+            <a:prstGeom prst="line">
+              <a:avLst/>
+            </a:prstGeom>
+            <a:ln w="38100">
+              <a:solidFill>
+                <a:schemeClr val="tx1"/>
+              </a:solidFill>
+            </a:ln>
+          </p:spPr>
+          <p:style>
+            <a:lnRef idx="1">
+              <a:schemeClr val="accent1"/>
+            </a:lnRef>
+            <a:fillRef idx="0">
+              <a:schemeClr val="accent1"/>
+            </a:fillRef>
+            <a:effectRef idx="0">
+              <a:schemeClr val="accent1"/>
+            </a:effectRef>
+            <a:fontRef idx="minor">
+              <a:schemeClr val="tx1"/>
+            </a:fontRef>
+          </p:style>
+        </p:cxnSp>
+        <p:cxnSp>
+          <p:nvCxnSpPr>
+            <p:cNvPr id="16" name="Connecteur droit 15"/>
+            <p:cNvCxnSpPr/>
+            <p:nvPr/>
+          </p:nvCxnSpPr>
+          <p:spPr>
+            <a:xfrm flipV="1">
+              <a:off x="2555776" y="3638552"/>
+              <a:ext cx="0" cy="733025"/>
+            </a:xfrm>
+            <a:prstGeom prst="line">
+              <a:avLst/>
+            </a:prstGeom>
+            <a:ln w="38100">
+              <a:solidFill>
+                <a:schemeClr val="tx1"/>
+              </a:solidFill>
+            </a:ln>
+          </p:spPr>
+          <p:style>
+            <a:lnRef idx="1">
+              <a:schemeClr val="accent1"/>
+            </a:lnRef>
+            <a:fillRef idx="0">
+              <a:schemeClr val="accent1"/>
+            </a:fillRef>
+            <a:effectRef idx="0">
+              <a:schemeClr val="accent1"/>
+            </a:effectRef>
+            <a:fontRef idx="minor">
+              <a:schemeClr val="tx1"/>
+            </a:fontRef>
+          </p:style>
+        </p:cxnSp>
+        <p:cxnSp>
+          <p:nvCxnSpPr>
+            <p:cNvPr id="17" name="Connecteur droit 16"/>
+            <p:cNvCxnSpPr/>
+            <p:nvPr/>
+          </p:nvCxnSpPr>
+          <p:spPr>
+            <a:xfrm flipV="1">
+              <a:off x="2483768" y="3638552"/>
+              <a:ext cx="72008" cy="78480"/>
+            </a:xfrm>
+            <a:prstGeom prst="line">
+              <a:avLst/>
+            </a:prstGeom>
+            <a:ln w="38100">
+              <a:solidFill>
+                <a:schemeClr val="tx1"/>
+              </a:solidFill>
+            </a:ln>
+          </p:spPr>
+          <p:style>
+            <a:lnRef idx="1">
+              <a:schemeClr val="accent1"/>
+            </a:lnRef>
+            <a:fillRef idx="0">
+              <a:schemeClr val="accent1"/>
+            </a:fillRef>
+            <a:effectRef idx="0">
+              <a:schemeClr val="accent1"/>
+            </a:effectRef>
+            <a:fontRef idx="minor">
+              <a:schemeClr val="tx1"/>
+            </a:fontRef>
+          </p:style>
+        </p:cxnSp>
+        <p:cxnSp>
+          <p:nvCxnSpPr>
+            <p:cNvPr id="20" name="Connecteur droit 19"/>
+            <p:cNvCxnSpPr/>
+            <p:nvPr/>
+          </p:nvCxnSpPr>
+          <p:spPr>
+            <a:xfrm>
+              <a:off x="2470272" y="4286624"/>
+              <a:ext cx="72008" cy="78480"/>
+            </a:xfrm>
+            <a:prstGeom prst="line">
+              <a:avLst/>
+            </a:prstGeom>
+            <a:ln w="38100">
+              <a:solidFill>
+                <a:schemeClr val="tx1"/>
+              </a:solidFill>
+            </a:ln>
+          </p:spPr>
+          <p:style>
+            <a:lnRef idx="1">
+              <a:schemeClr val="accent1"/>
+            </a:lnRef>
+            <a:fillRef idx="0">
+              <a:schemeClr val="accent1"/>
+            </a:fillRef>
+            <a:effectRef idx="0">
+              <a:schemeClr val="accent1"/>
+            </a:effectRef>
+            <a:fontRef idx="minor">
+              <a:schemeClr val="tx1"/>
+            </a:fontRef>
+          </p:style>
+        </p:cxnSp>
+        <p:cxnSp>
+          <p:nvCxnSpPr>
+            <p:cNvPr id="21" name="Connecteur droit 20"/>
+            <p:cNvCxnSpPr/>
+            <p:nvPr/>
+          </p:nvCxnSpPr>
+          <p:spPr>
+            <a:xfrm flipV="1">
+              <a:off x="2470271" y="3717032"/>
+              <a:ext cx="0" cy="569592"/>
+            </a:xfrm>
+            <a:prstGeom prst="line">
+              <a:avLst/>
+            </a:prstGeom>
+            <a:ln w="38100">
+              <a:solidFill>
+                <a:schemeClr val="tx1"/>
+              </a:solidFill>
+            </a:ln>
+          </p:spPr>
+          <p:style>
+            <a:lnRef idx="1">
+              <a:schemeClr val="accent1"/>
+            </a:lnRef>
+            <a:fillRef idx="0">
+              <a:schemeClr val="accent1"/>
+            </a:fillRef>
+            <a:effectRef idx="0">
+              <a:schemeClr val="accent1"/>
+            </a:effectRef>
+            <a:fontRef idx="minor">
+              <a:schemeClr val="tx1"/>
+            </a:fontRef>
+          </p:style>
+        </p:cxnSp>
+        <p:cxnSp>
+          <p:nvCxnSpPr>
+            <p:cNvPr id="25" name="Connecteur droit 24"/>
+            <p:cNvCxnSpPr/>
+            <p:nvPr/>
+          </p:nvCxnSpPr>
+          <p:spPr>
+            <a:xfrm flipH="1">
+              <a:off x="2483768" y="3717032"/>
+              <a:ext cx="2016224" cy="0"/>
+            </a:xfrm>
+            <a:prstGeom prst="line">
+              <a:avLst/>
+            </a:prstGeom>
+            <a:ln w="12700">
+              <a:solidFill>
+                <a:schemeClr val="tx1"/>
+              </a:solidFill>
+            </a:ln>
+          </p:spPr>
+          <p:style>
+            <a:lnRef idx="1">
+              <a:schemeClr val="accent1"/>
+            </a:lnRef>
+            <a:fillRef idx="0">
+              <a:schemeClr val="accent1"/>
+            </a:fillRef>
+            <a:effectRef idx="0">
+              <a:schemeClr val="accent1"/>
+            </a:effectRef>
+            <a:fontRef idx="minor">
+              <a:schemeClr val="tx1"/>
+            </a:fontRef>
+          </p:style>
+        </p:cxnSp>
+        <p:cxnSp>
+          <p:nvCxnSpPr>
+            <p:cNvPr id="29" name="Connecteur droit 28"/>
+            <p:cNvCxnSpPr/>
+            <p:nvPr/>
+          </p:nvCxnSpPr>
+          <p:spPr>
+            <a:xfrm flipH="1">
+              <a:off x="2483768" y="4286624"/>
+              <a:ext cx="2016224" cy="0"/>
+            </a:xfrm>
+            <a:prstGeom prst="line">
+              <a:avLst/>
+            </a:prstGeom>
+            <a:ln w="12700">
+              <a:solidFill>
+                <a:schemeClr val="tx1"/>
+              </a:solidFill>
+            </a:ln>
+          </p:spPr>
+          <p:style>
+            <a:lnRef idx="1">
+              <a:schemeClr val="accent1"/>
+            </a:lnRef>
+            <a:fillRef idx="0">
+              <a:schemeClr val="accent1"/>
+            </a:fillRef>
+            <a:effectRef idx="0">
+              <a:schemeClr val="accent1"/>
+            </a:effectRef>
+            <a:fontRef idx="minor">
+              <a:schemeClr val="tx1"/>
+            </a:fontRef>
+          </p:style>
+        </p:cxnSp>
+        <p:cxnSp>
+          <p:nvCxnSpPr>
+            <p:cNvPr id="30" name="Connecteur droit 29"/>
+            <p:cNvCxnSpPr/>
+            <p:nvPr/>
+          </p:nvCxnSpPr>
+          <p:spPr>
+            <a:xfrm>
+              <a:off x="4499992" y="3645024"/>
+              <a:ext cx="0" cy="720080"/>
+            </a:xfrm>
+            <a:prstGeom prst="line">
+              <a:avLst/>
+            </a:prstGeom>
+            <a:ln w="12700">
+              <a:solidFill>
+                <a:schemeClr val="tx1"/>
+              </a:solidFill>
+            </a:ln>
+          </p:spPr>
+          <p:style>
+            <a:lnRef idx="1">
+              <a:schemeClr val="accent1"/>
+            </a:lnRef>
+            <a:fillRef idx="0">
+              <a:schemeClr val="accent1"/>
+            </a:fillRef>
+            <a:effectRef idx="0">
+              <a:schemeClr val="accent1"/>
+            </a:effectRef>
+            <a:fontRef idx="minor">
+              <a:schemeClr val="tx1"/>
+            </a:fontRef>
+          </p:style>
+        </p:cxnSp>
+      </p:grpSp>
+      <p:grpSp>
+        <p:nvGrpSpPr>
+          <p:cNvPr id="35" name="Groupe 34"/>
+          <p:cNvGrpSpPr/>
+          <p:nvPr/>
+        </p:nvGrpSpPr>
+        <p:grpSpPr>
+          <a:xfrm flipH="1">
+            <a:off x="2123726" y="5091656"/>
+            <a:ext cx="3397873" cy="713608"/>
+            <a:chOff x="2470271" y="3638552"/>
+            <a:chExt cx="3397873" cy="733025"/>
+          </a:xfrm>
+        </p:grpSpPr>
+        <p:cxnSp>
+          <p:nvCxnSpPr>
+            <p:cNvPr id="36" name="Connecteur droit 35"/>
+            <p:cNvCxnSpPr/>
+            <p:nvPr/>
+          </p:nvCxnSpPr>
+          <p:spPr>
+            <a:xfrm flipH="1">
+              <a:off x="2555776" y="3645024"/>
+              <a:ext cx="3312368" cy="0"/>
+            </a:xfrm>
+            <a:prstGeom prst="line">
+              <a:avLst/>
+            </a:prstGeom>
+            <a:ln w="38100">
+              <a:solidFill>
+                <a:schemeClr val="tx1"/>
+              </a:solidFill>
+            </a:ln>
+          </p:spPr>
+          <p:style>
+            <a:lnRef idx="1">
+              <a:schemeClr val="accent1"/>
+            </a:lnRef>
+            <a:fillRef idx="0">
+              <a:schemeClr val="accent1"/>
+            </a:fillRef>
+            <a:effectRef idx="0">
+              <a:schemeClr val="accent1"/>
+            </a:effectRef>
+            <a:fontRef idx="minor">
+              <a:schemeClr val="tx1"/>
+            </a:fontRef>
+          </p:style>
+        </p:cxnSp>
+        <p:cxnSp>
+          <p:nvCxnSpPr>
+            <p:cNvPr id="37" name="Connecteur droit 36"/>
+            <p:cNvCxnSpPr/>
+            <p:nvPr/>
+          </p:nvCxnSpPr>
+          <p:spPr>
+            <a:xfrm flipH="1">
+              <a:off x="2555776" y="4365104"/>
+              <a:ext cx="3312368" cy="0"/>
+            </a:xfrm>
+            <a:prstGeom prst="line">
+              <a:avLst/>
+            </a:prstGeom>
+            <a:ln w="38100">
+              <a:solidFill>
+                <a:schemeClr val="tx1"/>
+              </a:solidFill>
+            </a:ln>
+          </p:spPr>
+          <p:style>
+            <a:lnRef idx="1">
+              <a:schemeClr val="accent1"/>
+            </a:lnRef>
+            <a:fillRef idx="0">
+              <a:schemeClr val="accent1"/>
+            </a:fillRef>
+            <a:effectRef idx="0">
+              <a:schemeClr val="accent1"/>
+            </a:effectRef>
+            <a:fontRef idx="minor">
+              <a:schemeClr val="tx1"/>
+            </a:fontRef>
+          </p:style>
+        </p:cxnSp>
+        <p:cxnSp>
+          <p:nvCxnSpPr>
+            <p:cNvPr id="38" name="Connecteur droit 37"/>
+            <p:cNvCxnSpPr/>
+            <p:nvPr/>
+          </p:nvCxnSpPr>
+          <p:spPr>
+            <a:xfrm flipV="1">
+              <a:off x="5868144" y="3638552"/>
+              <a:ext cx="0" cy="733025"/>
+            </a:xfrm>
+            <a:prstGeom prst="line">
+              <a:avLst/>
+            </a:prstGeom>
+            <a:ln w="38100">
+              <a:solidFill>
+                <a:schemeClr val="tx1"/>
+              </a:solidFill>
+            </a:ln>
+          </p:spPr>
+          <p:style>
+            <a:lnRef idx="1">
+              <a:schemeClr val="accent1"/>
+            </a:lnRef>
+            <a:fillRef idx="0">
+              <a:schemeClr val="accent1"/>
+            </a:fillRef>
+            <a:effectRef idx="0">
+              <a:schemeClr val="accent1"/>
+            </a:effectRef>
+            <a:fontRef idx="minor">
+              <a:schemeClr val="tx1"/>
+            </a:fontRef>
+          </p:style>
+        </p:cxnSp>
+        <p:cxnSp>
+          <p:nvCxnSpPr>
+            <p:cNvPr id="39" name="Connecteur droit 38"/>
+            <p:cNvCxnSpPr/>
+            <p:nvPr/>
+          </p:nvCxnSpPr>
+          <p:spPr>
+            <a:xfrm flipV="1">
+              <a:off x="2555776" y="3638552"/>
+              <a:ext cx="0" cy="733025"/>
+            </a:xfrm>
+            <a:prstGeom prst="line">
+              <a:avLst/>
+            </a:prstGeom>
+            <a:ln w="38100">
+              <a:solidFill>
+                <a:schemeClr val="tx1"/>
+              </a:solidFill>
+            </a:ln>
+          </p:spPr>
+          <p:style>
+            <a:lnRef idx="1">
+              <a:schemeClr val="accent1"/>
+            </a:lnRef>
+            <a:fillRef idx="0">
+              <a:schemeClr val="accent1"/>
+            </a:fillRef>
+            <a:effectRef idx="0">
+              <a:schemeClr val="accent1"/>
+            </a:effectRef>
+            <a:fontRef idx="minor">
+              <a:schemeClr val="tx1"/>
+            </a:fontRef>
+          </p:style>
+        </p:cxnSp>
+        <p:cxnSp>
+          <p:nvCxnSpPr>
+            <p:cNvPr id="40" name="Connecteur droit 39"/>
+            <p:cNvCxnSpPr/>
+            <p:nvPr/>
+          </p:nvCxnSpPr>
+          <p:spPr>
+            <a:xfrm flipV="1">
+              <a:off x="2483768" y="3638552"/>
+              <a:ext cx="72008" cy="78480"/>
+            </a:xfrm>
+            <a:prstGeom prst="line">
+              <a:avLst/>
+            </a:prstGeom>
+            <a:ln w="38100">
+              <a:solidFill>
+                <a:schemeClr val="tx1"/>
+              </a:solidFill>
+            </a:ln>
+          </p:spPr>
+          <p:style>
+            <a:lnRef idx="1">
+              <a:schemeClr val="accent1"/>
+            </a:lnRef>
+            <a:fillRef idx="0">
+              <a:schemeClr val="accent1"/>
+            </a:fillRef>
+            <a:effectRef idx="0">
+              <a:schemeClr val="accent1"/>
+            </a:effectRef>
+            <a:fontRef idx="minor">
+              <a:schemeClr val="tx1"/>
+            </a:fontRef>
+          </p:style>
+        </p:cxnSp>
+        <p:cxnSp>
+          <p:nvCxnSpPr>
+            <p:cNvPr id="41" name="Connecteur droit 40"/>
+            <p:cNvCxnSpPr/>
+            <p:nvPr/>
+          </p:nvCxnSpPr>
+          <p:spPr>
+            <a:xfrm>
+              <a:off x="2470272" y="4286624"/>
+              <a:ext cx="72008" cy="78480"/>
+            </a:xfrm>
+            <a:prstGeom prst="line">
+              <a:avLst/>
+            </a:prstGeom>
+            <a:ln w="38100">
+              <a:solidFill>
+                <a:schemeClr val="tx1"/>
+              </a:solidFill>
+            </a:ln>
+          </p:spPr>
+          <p:style>
+            <a:lnRef idx="1">
+              <a:schemeClr val="accent1"/>
+            </a:lnRef>
+            <a:fillRef idx="0">
+              <a:schemeClr val="accent1"/>
+            </a:fillRef>
+            <a:effectRef idx="0">
+              <a:schemeClr val="accent1"/>
+            </a:effectRef>
+            <a:fontRef idx="minor">
+              <a:schemeClr val="tx1"/>
+            </a:fontRef>
+          </p:style>
+        </p:cxnSp>
+        <p:cxnSp>
+          <p:nvCxnSpPr>
+            <p:cNvPr id="42" name="Connecteur droit 41"/>
+            <p:cNvCxnSpPr/>
+            <p:nvPr/>
+          </p:nvCxnSpPr>
+          <p:spPr>
+            <a:xfrm flipV="1">
+              <a:off x="2470271" y="3717032"/>
+              <a:ext cx="0" cy="569592"/>
+            </a:xfrm>
+            <a:prstGeom prst="line">
+              <a:avLst/>
+            </a:prstGeom>
+            <a:ln w="38100">
+              <a:solidFill>
+                <a:schemeClr val="tx1"/>
+              </a:solidFill>
+            </a:ln>
+          </p:spPr>
+          <p:style>
+            <a:lnRef idx="1">
+              <a:schemeClr val="accent1"/>
+            </a:lnRef>
+            <a:fillRef idx="0">
+              <a:schemeClr val="accent1"/>
+            </a:fillRef>
+            <a:effectRef idx="0">
+              <a:schemeClr val="accent1"/>
+            </a:effectRef>
+            <a:fontRef idx="minor">
+              <a:schemeClr val="tx1"/>
+            </a:fontRef>
+          </p:style>
+        </p:cxnSp>
+        <p:cxnSp>
+          <p:nvCxnSpPr>
+            <p:cNvPr id="43" name="Connecteur droit 42"/>
+            <p:cNvCxnSpPr/>
+            <p:nvPr/>
+          </p:nvCxnSpPr>
+          <p:spPr>
+            <a:xfrm flipH="1">
+              <a:off x="2483768" y="3717032"/>
+              <a:ext cx="2016224" cy="0"/>
+            </a:xfrm>
+            <a:prstGeom prst="line">
+              <a:avLst/>
+            </a:prstGeom>
+            <a:ln w="12700">
+              <a:solidFill>
+                <a:schemeClr val="tx1"/>
+              </a:solidFill>
+            </a:ln>
+          </p:spPr>
+          <p:style>
+            <a:lnRef idx="1">
+              <a:schemeClr val="accent1"/>
+            </a:lnRef>
+            <a:fillRef idx="0">
+              <a:schemeClr val="accent1"/>
+            </a:fillRef>
+            <a:effectRef idx="0">
+              <a:schemeClr val="accent1"/>
+            </a:effectRef>
+            <a:fontRef idx="minor">
+              <a:schemeClr val="tx1"/>
+            </a:fontRef>
+          </p:style>
+        </p:cxnSp>
+        <p:cxnSp>
+          <p:nvCxnSpPr>
+            <p:cNvPr id="44" name="Connecteur droit 43"/>
+            <p:cNvCxnSpPr/>
+            <p:nvPr/>
+          </p:nvCxnSpPr>
+          <p:spPr>
+            <a:xfrm flipH="1">
+              <a:off x="2483768" y="4286624"/>
+              <a:ext cx="2016224" cy="0"/>
+            </a:xfrm>
+            <a:prstGeom prst="line">
+              <a:avLst/>
+            </a:prstGeom>
+            <a:ln w="12700">
+              <a:solidFill>
+                <a:schemeClr val="tx1"/>
+              </a:solidFill>
+            </a:ln>
+          </p:spPr>
+          <p:style>
+            <a:lnRef idx="1">
+              <a:schemeClr val="accent1"/>
+            </a:lnRef>
+            <a:fillRef idx="0">
+              <a:schemeClr val="accent1"/>
+            </a:fillRef>
+            <a:effectRef idx="0">
+              <a:schemeClr val="accent1"/>
+            </a:effectRef>
+            <a:fontRef idx="minor">
+              <a:schemeClr val="tx1"/>
+            </a:fontRef>
+          </p:style>
+        </p:cxnSp>
+        <p:cxnSp>
+          <p:nvCxnSpPr>
+            <p:cNvPr id="45" name="Connecteur droit 44"/>
+            <p:cNvCxnSpPr/>
+            <p:nvPr/>
+          </p:nvCxnSpPr>
+          <p:spPr>
+            <a:xfrm>
+              <a:off x="4499992" y="3645024"/>
+              <a:ext cx="0" cy="720080"/>
+            </a:xfrm>
+            <a:prstGeom prst="line">
+              <a:avLst/>
+            </a:prstGeom>
+            <a:ln w="12700">
+              <a:solidFill>
+                <a:schemeClr val="tx1"/>
+              </a:solidFill>
+            </a:ln>
+          </p:spPr>
+          <p:style>
+            <a:lnRef idx="1">
+              <a:schemeClr val="accent1"/>
+            </a:lnRef>
+            <a:fillRef idx="0">
+              <a:schemeClr val="accent1"/>
+            </a:fillRef>
+            <a:effectRef idx="0">
+              <a:schemeClr val="accent1"/>
+            </a:effectRef>
+            <a:fontRef idx="minor">
+              <a:schemeClr val="tx1"/>
+            </a:fontRef>
+          </p:style>
+        </p:cxnSp>
+      </p:grpSp>
     </p:spTree>
     <p:extLst>
       <p:ext uri="{BB962C8B-B14F-4D97-AF65-F5344CB8AC3E}">
@@ -14623,6 +16232,13 @@
   <p:clrMapOvr>
     <a:masterClrMapping/>
   </p:clrMapOvr>
+  <p:timing>
+    <p:tnLst>
+      <p:par>
+        <p:cTn id="1" dur="indefinite" restart="never" nodeType="tmRoot"/>
+      </p:par>
+    </p:tnLst>
+  </p:timing>
 </p:sld>
 </file>
 
@@ -14706,7 +16322,15 @@
           <a:p>
             <a:r>
               <a:rPr lang="fr-FR" dirty="0" smtClean="0"/>
-              <a:t>Le trait fort de la vis à la « priorité ». </a:t>
+              <a:t>Le trait fort de la vis </a:t>
+            </a:r>
+            <a:r>
+              <a:rPr lang="fr-FR" dirty="0" smtClean="0"/>
+              <a:t>a </a:t>
+            </a:r>
+            <a:r>
+              <a:rPr lang="fr-FR" dirty="0" smtClean="0"/>
+              <a:t>la « priorité ». </a:t>
             </a:r>
             <a:endParaRPr lang="fr-FR" dirty="0"/>
           </a:p>
@@ -14776,6 +16400,13 @@
   <p:clrMapOvr>
     <a:masterClrMapping/>
   </p:clrMapOvr>
+  <p:timing>
+    <p:tnLst>
+      <p:par>
+        <p:cTn id="1" dur="indefinite" restart="never" nodeType="tmRoot"/>
+      </p:par>
+    </p:tnLst>
+  </p:timing>
 </p:sld>
 </file>
 
@@ -14930,6 +16561,13 @@
   <p:clrMapOvr>
     <a:masterClrMapping/>
   </p:clrMapOvr>
+  <p:timing>
+    <p:tnLst>
+      <p:par>
+        <p:cTn id="1" dur="indefinite" restart="never" nodeType="tmRoot"/>
+      </p:par>
+    </p:tnLst>
+  </p:timing>
 </p:sld>
 </file>
 
@@ -15083,6 +16721,13 @@
   <p:clrMapOvr>
     <a:masterClrMapping/>
   </p:clrMapOvr>
+  <p:timing>
+    <p:tnLst>
+      <p:par>
+        <p:cTn id="1" dur="indefinite" restart="never" nodeType="tmRoot"/>
+      </p:par>
+    </p:tnLst>
+  </p:timing>
 </p:sld>
 </file>
 

--- a/Concevoir/01_BasesCommunicationTechnique/02_ElementsFiletes/Cours/PPT/07_CPT_02_ElementsFiletes_PPT.pptx
+++ b/Concevoir/01_BasesCommunicationTechnique/02_ElementsFiletes/Cours/PPT/07_CPT_02_ElementsFiletes_PPT.pptx
@@ -5107,7 +5107,7 @@
             <a:fld id="{408F55C5-7F94-4427-AC6E-B68A66649CA8}" type="datetimeFigureOut">
               <a:rPr lang="fr-FR" smtClean="0"/>
               <a:pPr/>
-              <a:t>17/09/2014</a:t>
+              <a:t>24/09/2014</a:t>
             </a:fld>
             <a:endParaRPr lang="fr-FR"/>
           </a:p>
@@ -5514,7 +5514,7 @@
             <a:fld id="{157AD097-CF25-400F-9C67-922D507E39E3}" type="datetime1">
               <a:rPr lang="fr-FR" smtClean="0"/>
               <a:pPr/>
-              <a:t>17/09/2014</a:t>
+              <a:t>24/09/2014</a:t>
             </a:fld>
             <a:endParaRPr lang="fr-BE"/>
           </a:p>
@@ -6385,7 +6385,7 @@
             <a:fld id="{78229857-C006-49ED-82CD-E790681050DC}" type="datetime1">
               <a:rPr lang="fr-FR" smtClean="0"/>
               <a:pPr/>
-              <a:t>17/09/2014</a:t>
+              <a:t>24/09/2014</a:t>
             </a:fld>
             <a:endParaRPr lang="fr-BE"/>
           </a:p>
@@ -6562,7 +6562,7 @@
             <a:fld id="{F2970974-19F1-449C-919E-2C8366603CD1}" type="datetime1">
               <a:rPr lang="fr-FR" smtClean="0"/>
               <a:pPr/>
-              <a:t>17/09/2014</a:t>
+              <a:t>24/09/2014</a:t>
             </a:fld>
             <a:endParaRPr lang="fr-BE"/>
           </a:p>
@@ -6734,7 +6734,7 @@
             <a:fld id="{89865026-BDA5-4DC2-B00A-0513069CA084}" type="datetime1">
               <a:rPr lang="fr-FR" smtClean="0"/>
               <a:pPr/>
-              <a:t>17/09/2014</a:t>
+              <a:t>24/09/2014</a:t>
             </a:fld>
             <a:endParaRPr lang="fr-BE"/>
           </a:p>
@@ -6953,7 +6953,7 @@
             <a:fld id="{4C789780-CD60-413A-9061-7DBABD3D6AED}" type="datetime1">
               <a:rPr lang="fr-FR" smtClean="0"/>
               <a:pPr/>
-              <a:t>17/09/2014</a:t>
+              <a:t>24/09/2014</a:t>
             </a:fld>
             <a:endParaRPr lang="fr-BE"/>
           </a:p>
@@ -7769,7 +7769,7 @@
             <a:fld id="{04739DA2-C332-458D-AEE9-D9863488067A}" type="datetime1">
               <a:rPr lang="fr-FR" smtClean="0"/>
               <a:pPr/>
-              <a:t>17/09/2014</a:t>
+              <a:t>24/09/2014</a:t>
             </a:fld>
             <a:endParaRPr lang="fr-BE"/>
           </a:p>
@@ -8007,7 +8007,7 @@
             <a:fld id="{4C37F864-99D4-45B4-AADD-04DC06778D45}" type="datetime1">
               <a:rPr lang="fr-FR" smtClean="0"/>
               <a:pPr/>
-              <a:t>17/09/2014</a:t>
+              <a:t>24/09/2014</a:t>
             </a:fld>
             <a:endParaRPr lang="fr-BE"/>
           </a:p>
@@ -8332,7 +8332,7 @@
             <a:fld id="{BD4C6D35-5A34-4B39-A1A0-412224085525}" type="datetime1">
               <a:rPr lang="fr-FR" smtClean="0"/>
               <a:pPr/>
-              <a:t>17/09/2014</a:t>
+              <a:t>24/09/2014</a:t>
             </a:fld>
             <a:endParaRPr lang="fr-BE"/>
           </a:p>
@@ -8424,7 +8424,7 @@
             <a:fld id="{89ACD590-7819-428A-83D8-2A609DA0F2C8}" type="datetime1">
               <a:rPr lang="fr-FR" smtClean="0"/>
               <a:pPr/>
-              <a:t>17/09/2014</a:t>
+              <a:t>24/09/2014</a:t>
             </a:fld>
             <a:endParaRPr lang="fr-BE"/>
           </a:p>
@@ -8943,7 +8943,7 @@
             <a:fld id="{3F623AD0-8980-4C29-A58A-6AB0E36F0D8E}" type="datetime1">
               <a:rPr lang="fr-FR" smtClean="0"/>
               <a:pPr/>
-              <a:t>17/09/2014</a:t>
+              <a:t>24/09/2014</a:t>
             </a:fld>
             <a:endParaRPr lang="fr-BE"/>
           </a:p>
@@ -9456,7 +9456,7 @@
             <a:fld id="{2CA04EA8-727F-4941-9878-F8E38D4B16C7}" type="datetime1">
               <a:rPr lang="fr-FR" smtClean="0"/>
               <a:pPr/>
-              <a:t>17/09/2014</a:t>
+              <a:t>24/09/2014</a:t>
             </a:fld>
             <a:endParaRPr lang="fr-BE"/>
           </a:p>
@@ -9703,7 +9703,7 @@
             <a:fld id="{559945B3-C1AE-4CD9-90D7-C9EAD56DB5B5}" type="datetime1">
               <a:rPr lang="fr-FR" smtClean="0"/>
               <a:pPr/>
-              <a:t>17/09/2014</a:t>
+              <a:t>24/09/2014</a:t>
             </a:fld>
             <a:endParaRPr lang="fr-BE"/>
           </a:p>
@@ -13330,6 +13330,13 @@
   <p:clrMapOvr>
     <a:masterClrMapping/>
   </p:clrMapOvr>
+  <p:timing>
+    <p:tnLst>
+      <p:par>
+        <p:cTn id="1" dur="indefinite" restart="never" nodeType="tmRoot"/>
+      </p:par>
+    </p:tnLst>
+  </p:timing>
 </p:sld>
 </file>
 
@@ -13467,6 +13474,13 @@
   <p:clrMapOvr>
     <a:masterClrMapping/>
   </p:clrMapOvr>
+  <p:timing>
+    <p:tnLst>
+      <p:par>
+        <p:cTn id="1" dur="indefinite" restart="never" nodeType="tmRoot"/>
+      </p:par>
+    </p:tnLst>
+  </p:timing>
 </p:sld>
 </file>
 
@@ -13604,6 +13618,13 @@
   <p:clrMapOvr>
     <a:masterClrMapping/>
   </p:clrMapOvr>
+  <p:timing>
+    <p:tnLst>
+      <p:par>
+        <p:cTn id="1" dur="indefinite" restart="never" nodeType="tmRoot"/>
+      </p:par>
+    </p:tnLst>
+  </p:timing>
 </p:sld>
 </file>
 
@@ -13775,6 +13796,13 @@
   <p:clrMapOvr>
     <a:masterClrMapping/>
   </p:clrMapOvr>
+  <p:timing>
+    <p:tnLst>
+      <p:par>
+        <p:cTn id="1" dur="indefinite" restart="never" nodeType="tmRoot"/>
+      </p:par>
+    </p:tnLst>
+  </p:timing>
 </p:sld>
 </file>
 
@@ -13876,6 +13904,13 @@
   <p:clrMapOvr>
     <a:masterClrMapping/>
   </p:clrMapOvr>
+  <p:timing>
+    <p:tnLst>
+      <p:par>
+        <p:cTn id="1" dur="indefinite" restart="never" nodeType="tmRoot"/>
+      </p:par>
+    </p:tnLst>
+  </p:timing>
 </p:sld>
 </file>
 
@@ -15358,11 +15393,7 @@
             </a:r>
             <a:r>
               <a:rPr lang="fr-FR" dirty="0" smtClean="0"/>
-              <a:t>a </a:t>
-            </a:r>
-            <a:r>
-              <a:rPr lang="fr-FR" dirty="0" smtClean="0"/>
-              <a:t>base de la tête. </a:t>
+              <a:t>a base de la tête. </a:t>
             </a:r>
             <a:endParaRPr lang="fr-FR" dirty="0"/>
           </a:p>
@@ -16322,15 +16353,7 @@
           <a:p>
             <a:r>
               <a:rPr lang="fr-FR" dirty="0" smtClean="0"/>
-              <a:t>Le trait fort de la vis </a:t>
-            </a:r>
-            <a:r>
-              <a:rPr lang="fr-FR" dirty="0" smtClean="0"/>
-              <a:t>a </a:t>
-            </a:r>
-            <a:r>
-              <a:rPr lang="fr-FR" dirty="0" smtClean="0"/>
-              <a:t>la « priorité ». </a:t>
+              <a:t>Le trait fort de la vis a la « priorité ». </a:t>
             </a:r>
             <a:endParaRPr lang="fr-FR" dirty="0"/>
           </a:p>
@@ -16551,6 +16574,951 @@
           </a:ln>
         </p:spPr>
       </p:pic>
+      <p:cxnSp>
+        <p:nvCxnSpPr>
+          <p:cNvPr id="6" name="Connecteur droit 5"/>
+          <p:cNvCxnSpPr/>
+          <p:nvPr/>
+        </p:nvCxnSpPr>
+        <p:spPr>
+          <a:xfrm>
+            <a:off x="4860032" y="4817472"/>
+            <a:ext cx="616066" cy="0"/>
+          </a:xfrm>
+          <a:prstGeom prst="line">
+            <a:avLst/>
+          </a:prstGeom>
+          <a:ln w="38100">
+            <a:solidFill>
+              <a:schemeClr val="tx1"/>
+            </a:solidFill>
+          </a:ln>
+        </p:spPr>
+        <p:style>
+          <a:lnRef idx="1">
+            <a:schemeClr val="accent1"/>
+          </a:lnRef>
+          <a:fillRef idx="0">
+            <a:schemeClr val="accent1"/>
+          </a:fillRef>
+          <a:effectRef idx="0">
+            <a:schemeClr val="accent1"/>
+          </a:effectRef>
+          <a:fontRef idx="minor">
+            <a:schemeClr val="tx1"/>
+          </a:fontRef>
+        </p:style>
+      </p:cxnSp>
+      <p:cxnSp>
+        <p:nvCxnSpPr>
+          <p:cNvPr id="8" name="Connecteur droit 7"/>
+          <p:cNvCxnSpPr/>
+          <p:nvPr/>
+        </p:nvCxnSpPr>
+        <p:spPr>
+          <a:xfrm>
+            <a:off x="4859144" y="5684882"/>
+            <a:ext cx="616954" cy="0"/>
+          </a:xfrm>
+          <a:prstGeom prst="line">
+            <a:avLst/>
+          </a:prstGeom>
+          <a:ln w="38100">
+            <a:solidFill>
+              <a:schemeClr val="tx1"/>
+            </a:solidFill>
+          </a:ln>
+        </p:spPr>
+        <p:style>
+          <a:lnRef idx="1">
+            <a:schemeClr val="accent1"/>
+          </a:lnRef>
+          <a:fillRef idx="0">
+            <a:schemeClr val="accent1"/>
+          </a:fillRef>
+          <a:effectRef idx="0">
+            <a:schemeClr val="accent1"/>
+          </a:effectRef>
+          <a:fontRef idx="minor">
+            <a:schemeClr val="tx1"/>
+          </a:fontRef>
+        </p:style>
+      </p:cxnSp>
+      <p:cxnSp>
+        <p:nvCxnSpPr>
+          <p:cNvPr id="9" name="Connecteur droit 8"/>
+          <p:cNvCxnSpPr/>
+          <p:nvPr/>
+        </p:nvCxnSpPr>
+        <p:spPr>
+          <a:xfrm flipV="1">
+            <a:off x="5476098" y="4817472"/>
+            <a:ext cx="888" cy="867410"/>
+          </a:xfrm>
+          <a:prstGeom prst="line">
+            <a:avLst/>
+          </a:prstGeom>
+          <a:ln w="38100">
+            <a:solidFill>
+              <a:schemeClr val="tx1"/>
+            </a:solidFill>
+          </a:ln>
+        </p:spPr>
+        <p:style>
+          <a:lnRef idx="1">
+            <a:schemeClr val="accent1"/>
+          </a:lnRef>
+          <a:fillRef idx="0">
+            <a:schemeClr val="accent1"/>
+          </a:fillRef>
+          <a:effectRef idx="0">
+            <a:schemeClr val="accent1"/>
+          </a:effectRef>
+          <a:fontRef idx="minor">
+            <a:schemeClr val="tx1"/>
+          </a:fontRef>
+        </p:style>
+      </p:cxnSp>
+      <p:cxnSp>
+        <p:nvCxnSpPr>
+          <p:cNvPr id="13" name="Connecteur droit 12"/>
+          <p:cNvCxnSpPr/>
+          <p:nvPr/>
+        </p:nvCxnSpPr>
+        <p:spPr>
+          <a:xfrm flipV="1">
+            <a:off x="5554384" y="4874018"/>
+            <a:ext cx="0" cy="750873"/>
+          </a:xfrm>
+          <a:prstGeom prst="line">
+            <a:avLst/>
+          </a:prstGeom>
+          <a:ln w="38100">
+            <a:solidFill>
+              <a:schemeClr val="tx1"/>
+            </a:solidFill>
+          </a:ln>
+        </p:spPr>
+        <p:style>
+          <a:lnRef idx="1">
+            <a:schemeClr val="accent1"/>
+          </a:lnRef>
+          <a:fillRef idx="0">
+            <a:schemeClr val="accent1"/>
+          </a:fillRef>
+          <a:effectRef idx="0">
+            <a:schemeClr val="accent1"/>
+          </a:effectRef>
+          <a:fontRef idx="minor">
+            <a:schemeClr val="tx1"/>
+          </a:fontRef>
+        </p:style>
+      </p:cxnSp>
+      <p:cxnSp>
+        <p:nvCxnSpPr>
+          <p:cNvPr id="17" name="Connecteur droit 16"/>
+          <p:cNvCxnSpPr/>
+          <p:nvPr/>
+        </p:nvCxnSpPr>
+        <p:spPr>
+          <a:xfrm flipH="1" flipV="1">
+            <a:off x="5476098" y="4817472"/>
+            <a:ext cx="78286" cy="56546"/>
+          </a:xfrm>
+          <a:prstGeom prst="line">
+            <a:avLst/>
+          </a:prstGeom>
+          <a:ln w="38100">
+            <a:solidFill>
+              <a:schemeClr val="tx1"/>
+            </a:solidFill>
+          </a:ln>
+        </p:spPr>
+        <p:style>
+          <a:lnRef idx="1">
+            <a:schemeClr val="accent1"/>
+          </a:lnRef>
+          <a:fillRef idx="0">
+            <a:schemeClr val="accent1"/>
+          </a:fillRef>
+          <a:effectRef idx="0">
+            <a:schemeClr val="accent1"/>
+          </a:effectRef>
+          <a:fontRef idx="minor">
+            <a:schemeClr val="tx1"/>
+          </a:fontRef>
+        </p:style>
+      </p:cxnSp>
+      <p:cxnSp>
+        <p:nvCxnSpPr>
+          <p:cNvPr id="20" name="Connecteur droit 19"/>
+          <p:cNvCxnSpPr/>
+          <p:nvPr/>
+        </p:nvCxnSpPr>
+        <p:spPr>
+          <a:xfrm flipH="1">
+            <a:off x="5476164" y="5624891"/>
+            <a:ext cx="78286" cy="56546"/>
+          </a:xfrm>
+          <a:prstGeom prst="line">
+            <a:avLst/>
+          </a:prstGeom>
+          <a:ln w="38100">
+            <a:solidFill>
+              <a:schemeClr val="tx1"/>
+            </a:solidFill>
+          </a:ln>
+        </p:spPr>
+        <p:style>
+          <a:lnRef idx="1">
+            <a:schemeClr val="accent1"/>
+          </a:lnRef>
+          <a:fillRef idx="0">
+            <a:schemeClr val="accent1"/>
+          </a:fillRef>
+          <a:effectRef idx="0">
+            <a:schemeClr val="accent1"/>
+          </a:effectRef>
+          <a:fontRef idx="minor">
+            <a:schemeClr val="tx1"/>
+          </a:fontRef>
+        </p:style>
+      </p:cxnSp>
+      <p:cxnSp>
+        <p:nvCxnSpPr>
+          <p:cNvPr id="22" name="Connecteur droit 21"/>
+          <p:cNvCxnSpPr/>
+          <p:nvPr/>
+        </p:nvCxnSpPr>
+        <p:spPr>
+          <a:xfrm>
+            <a:off x="3563888" y="4817472"/>
+            <a:ext cx="0" cy="863965"/>
+          </a:xfrm>
+          <a:prstGeom prst="line">
+            <a:avLst/>
+          </a:prstGeom>
+          <a:ln w="38100">
+            <a:solidFill>
+              <a:schemeClr val="tx1"/>
+            </a:solidFill>
+          </a:ln>
+        </p:spPr>
+        <p:style>
+          <a:lnRef idx="1">
+            <a:schemeClr val="accent1"/>
+          </a:lnRef>
+          <a:fillRef idx="0">
+            <a:schemeClr val="accent1"/>
+          </a:fillRef>
+          <a:effectRef idx="0">
+            <a:schemeClr val="accent1"/>
+          </a:effectRef>
+          <a:fontRef idx="minor">
+            <a:schemeClr val="tx1"/>
+          </a:fontRef>
+        </p:style>
+      </p:cxnSp>
+      <p:cxnSp>
+        <p:nvCxnSpPr>
+          <p:cNvPr id="26" name="Connecteur droit 25"/>
+          <p:cNvCxnSpPr/>
+          <p:nvPr/>
+        </p:nvCxnSpPr>
+        <p:spPr>
+          <a:xfrm>
+            <a:off x="3563825" y="4887761"/>
+            <a:ext cx="1966723" cy="0"/>
+          </a:xfrm>
+          <a:prstGeom prst="line">
+            <a:avLst/>
+          </a:prstGeom>
+          <a:ln w="19050">
+            <a:solidFill>
+              <a:schemeClr val="tx1"/>
+            </a:solidFill>
+          </a:ln>
+        </p:spPr>
+        <p:style>
+          <a:lnRef idx="1">
+            <a:schemeClr val="accent1"/>
+          </a:lnRef>
+          <a:fillRef idx="0">
+            <a:schemeClr val="accent1"/>
+          </a:fillRef>
+          <a:effectRef idx="0">
+            <a:schemeClr val="accent1"/>
+          </a:effectRef>
+          <a:fontRef idx="minor">
+            <a:schemeClr val="tx1"/>
+          </a:fontRef>
+        </p:style>
+      </p:cxnSp>
+      <p:cxnSp>
+        <p:nvCxnSpPr>
+          <p:cNvPr id="28" name="Connecteur droit 27"/>
+          <p:cNvCxnSpPr/>
+          <p:nvPr/>
+        </p:nvCxnSpPr>
+        <p:spPr>
+          <a:xfrm>
+            <a:off x="3568611" y="5589240"/>
+            <a:ext cx="1966723" cy="0"/>
+          </a:xfrm>
+          <a:prstGeom prst="line">
+            <a:avLst/>
+          </a:prstGeom>
+          <a:ln w="19050">
+            <a:solidFill>
+              <a:schemeClr val="tx1"/>
+            </a:solidFill>
+          </a:ln>
+        </p:spPr>
+        <p:style>
+          <a:lnRef idx="1">
+            <a:schemeClr val="accent1"/>
+          </a:lnRef>
+          <a:fillRef idx="0">
+            <a:schemeClr val="accent1"/>
+          </a:fillRef>
+          <a:effectRef idx="0">
+            <a:schemeClr val="accent1"/>
+          </a:effectRef>
+          <a:fontRef idx="minor">
+            <a:schemeClr val="tx1"/>
+          </a:fontRef>
+        </p:style>
+      </p:cxnSp>
+      <p:cxnSp>
+        <p:nvCxnSpPr>
+          <p:cNvPr id="29" name="Connecteur droit 28"/>
+          <p:cNvCxnSpPr/>
+          <p:nvPr/>
+        </p:nvCxnSpPr>
+        <p:spPr>
+          <a:xfrm>
+            <a:off x="1613322" y="4763244"/>
+            <a:ext cx="2880320" cy="0"/>
+          </a:xfrm>
+          <a:prstGeom prst="line">
+            <a:avLst/>
+          </a:prstGeom>
+          <a:ln w="38100">
+            <a:solidFill>
+              <a:schemeClr val="tx1"/>
+            </a:solidFill>
+          </a:ln>
+        </p:spPr>
+        <p:style>
+          <a:lnRef idx="1">
+            <a:schemeClr val="accent1"/>
+          </a:lnRef>
+          <a:fillRef idx="0">
+            <a:schemeClr val="accent1"/>
+          </a:fillRef>
+          <a:effectRef idx="0">
+            <a:schemeClr val="accent1"/>
+          </a:effectRef>
+          <a:fontRef idx="minor">
+            <a:schemeClr val="tx1"/>
+          </a:fontRef>
+        </p:style>
+      </p:cxnSp>
+      <p:cxnSp>
+        <p:nvCxnSpPr>
+          <p:cNvPr id="32" name="Connecteur droit 31"/>
+          <p:cNvCxnSpPr/>
+          <p:nvPr/>
+        </p:nvCxnSpPr>
+        <p:spPr>
+          <a:xfrm>
+            <a:off x="1613322" y="5760814"/>
+            <a:ext cx="2880320" cy="0"/>
+          </a:xfrm>
+          <a:prstGeom prst="line">
+            <a:avLst/>
+          </a:prstGeom>
+          <a:ln w="38100">
+            <a:solidFill>
+              <a:schemeClr val="tx1"/>
+            </a:solidFill>
+          </a:ln>
+        </p:spPr>
+        <p:style>
+          <a:lnRef idx="1">
+            <a:schemeClr val="accent1"/>
+          </a:lnRef>
+          <a:fillRef idx="0">
+            <a:schemeClr val="accent1"/>
+          </a:fillRef>
+          <a:effectRef idx="0">
+            <a:schemeClr val="accent1"/>
+          </a:effectRef>
+          <a:fontRef idx="minor">
+            <a:schemeClr val="tx1"/>
+          </a:fontRef>
+        </p:style>
+      </p:cxnSp>
+      <p:cxnSp>
+        <p:nvCxnSpPr>
+          <p:cNvPr id="33" name="Connecteur droit 32"/>
+          <p:cNvCxnSpPr/>
+          <p:nvPr/>
+        </p:nvCxnSpPr>
+        <p:spPr>
+          <a:xfrm flipV="1">
+            <a:off x="3851920" y="4174624"/>
+            <a:ext cx="569714" cy="576064"/>
+          </a:xfrm>
+          <a:prstGeom prst="line">
+            <a:avLst/>
+          </a:prstGeom>
+          <a:ln w="19050">
+            <a:solidFill>
+              <a:schemeClr val="tx1"/>
+            </a:solidFill>
+          </a:ln>
+        </p:spPr>
+        <p:style>
+          <a:lnRef idx="1">
+            <a:schemeClr val="accent1"/>
+          </a:lnRef>
+          <a:fillRef idx="0">
+            <a:schemeClr val="accent1"/>
+          </a:fillRef>
+          <a:effectRef idx="0">
+            <a:schemeClr val="accent1"/>
+          </a:effectRef>
+          <a:fontRef idx="minor">
+            <a:schemeClr val="tx1"/>
+          </a:fontRef>
+        </p:style>
+      </p:cxnSp>
+      <p:cxnSp>
+        <p:nvCxnSpPr>
+          <p:cNvPr id="36" name="Connecteur droit 35"/>
+          <p:cNvCxnSpPr/>
+          <p:nvPr/>
+        </p:nvCxnSpPr>
+        <p:spPr>
+          <a:xfrm flipV="1">
+            <a:off x="3534817" y="4184807"/>
+            <a:ext cx="569714" cy="576064"/>
+          </a:xfrm>
+          <a:prstGeom prst="line">
+            <a:avLst/>
+          </a:prstGeom>
+          <a:ln w="19050">
+            <a:solidFill>
+              <a:schemeClr val="tx1"/>
+            </a:solidFill>
+          </a:ln>
+        </p:spPr>
+        <p:style>
+          <a:lnRef idx="1">
+            <a:schemeClr val="accent1"/>
+          </a:lnRef>
+          <a:fillRef idx="0">
+            <a:schemeClr val="accent1"/>
+          </a:fillRef>
+          <a:effectRef idx="0">
+            <a:schemeClr val="accent1"/>
+          </a:effectRef>
+          <a:fontRef idx="minor">
+            <a:schemeClr val="tx1"/>
+          </a:fontRef>
+        </p:style>
+      </p:cxnSp>
+      <p:cxnSp>
+        <p:nvCxnSpPr>
+          <p:cNvPr id="43" name="Connecteur droit 42"/>
+          <p:cNvCxnSpPr/>
+          <p:nvPr/>
+        </p:nvCxnSpPr>
+        <p:spPr>
+          <a:xfrm flipV="1">
+            <a:off x="3241304" y="4184807"/>
+            <a:ext cx="569714" cy="576064"/>
+          </a:xfrm>
+          <a:prstGeom prst="line">
+            <a:avLst/>
+          </a:prstGeom>
+          <a:ln w="19050">
+            <a:solidFill>
+              <a:schemeClr val="tx1"/>
+            </a:solidFill>
+          </a:ln>
+        </p:spPr>
+        <p:style>
+          <a:lnRef idx="1">
+            <a:schemeClr val="accent1"/>
+          </a:lnRef>
+          <a:fillRef idx="0">
+            <a:schemeClr val="accent1"/>
+          </a:fillRef>
+          <a:effectRef idx="0">
+            <a:schemeClr val="accent1"/>
+          </a:effectRef>
+          <a:fontRef idx="minor">
+            <a:schemeClr val="tx1"/>
+          </a:fontRef>
+        </p:style>
+      </p:cxnSp>
+      <p:cxnSp>
+        <p:nvCxnSpPr>
+          <p:cNvPr id="44" name="Connecteur droit 43"/>
+          <p:cNvCxnSpPr/>
+          <p:nvPr/>
+        </p:nvCxnSpPr>
+        <p:spPr>
+          <a:xfrm flipV="1">
+            <a:off x="2924201" y="4194990"/>
+            <a:ext cx="569714" cy="576064"/>
+          </a:xfrm>
+          <a:prstGeom prst="line">
+            <a:avLst/>
+          </a:prstGeom>
+          <a:ln w="19050">
+            <a:solidFill>
+              <a:schemeClr val="tx1"/>
+            </a:solidFill>
+          </a:ln>
+        </p:spPr>
+        <p:style>
+          <a:lnRef idx="1">
+            <a:schemeClr val="accent1"/>
+          </a:lnRef>
+          <a:fillRef idx="0">
+            <a:schemeClr val="accent1"/>
+          </a:fillRef>
+          <a:effectRef idx="0">
+            <a:schemeClr val="accent1"/>
+          </a:effectRef>
+          <a:fontRef idx="minor">
+            <a:schemeClr val="tx1"/>
+          </a:fontRef>
+        </p:style>
+      </p:cxnSp>
+      <p:cxnSp>
+        <p:nvCxnSpPr>
+          <p:cNvPr id="45" name="Connecteur droit 44"/>
+          <p:cNvCxnSpPr/>
+          <p:nvPr/>
+        </p:nvCxnSpPr>
+        <p:spPr>
+          <a:xfrm flipV="1">
+            <a:off x="2656088" y="4175940"/>
+            <a:ext cx="569714" cy="576064"/>
+          </a:xfrm>
+          <a:prstGeom prst="line">
+            <a:avLst/>
+          </a:prstGeom>
+          <a:ln w="19050">
+            <a:solidFill>
+              <a:schemeClr val="tx1"/>
+            </a:solidFill>
+          </a:ln>
+        </p:spPr>
+        <p:style>
+          <a:lnRef idx="1">
+            <a:schemeClr val="accent1"/>
+          </a:lnRef>
+          <a:fillRef idx="0">
+            <a:schemeClr val="accent1"/>
+          </a:fillRef>
+          <a:effectRef idx="0">
+            <a:schemeClr val="accent1"/>
+          </a:effectRef>
+          <a:fontRef idx="minor">
+            <a:schemeClr val="tx1"/>
+          </a:fontRef>
+        </p:style>
+      </p:cxnSp>
+      <p:cxnSp>
+        <p:nvCxnSpPr>
+          <p:cNvPr id="46" name="Connecteur droit 45"/>
+          <p:cNvCxnSpPr/>
+          <p:nvPr/>
+        </p:nvCxnSpPr>
+        <p:spPr>
+          <a:xfrm flipV="1">
+            <a:off x="2338985" y="4186123"/>
+            <a:ext cx="569714" cy="576064"/>
+          </a:xfrm>
+          <a:prstGeom prst="line">
+            <a:avLst/>
+          </a:prstGeom>
+          <a:ln w="19050">
+            <a:solidFill>
+              <a:schemeClr val="tx1"/>
+            </a:solidFill>
+          </a:ln>
+        </p:spPr>
+        <p:style>
+          <a:lnRef idx="1">
+            <a:schemeClr val="accent1"/>
+          </a:lnRef>
+          <a:fillRef idx="0">
+            <a:schemeClr val="accent1"/>
+          </a:fillRef>
+          <a:effectRef idx="0">
+            <a:schemeClr val="accent1"/>
+          </a:effectRef>
+          <a:fontRef idx="minor">
+            <a:schemeClr val="tx1"/>
+          </a:fontRef>
+        </p:style>
+      </p:cxnSp>
+      <p:cxnSp>
+        <p:nvCxnSpPr>
+          <p:cNvPr id="47" name="Connecteur droit 46"/>
+          <p:cNvCxnSpPr/>
+          <p:nvPr/>
+        </p:nvCxnSpPr>
+        <p:spPr>
+          <a:xfrm flipV="1">
+            <a:off x="2070872" y="4167073"/>
+            <a:ext cx="569714" cy="576064"/>
+          </a:xfrm>
+          <a:prstGeom prst="line">
+            <a:avLst/>
+          </a:prstGeom>
+          <a:ln w="19050">
+            <a:solidFill>
+              <a:schemeClr val="tx1"/>
+            </a:solidFill>
+          </a:ln>
+        </p:spPr>
+        <p:style>
+          <a:lnRef idx="1">
+            <a:schemeClr val="accent1"/>
+          </a:lnRef>
+          <a:fillRef idx="0">
+            <a:schemeClr val="accent1"/>
+          </a:fillRef>
+          <a:effectRef idx="0">
+            <a:schemeClr val="accent1"/>
+          </a:effectRef>
+          <a:fontRef idx="minor">
+            <a:schemeClr val="tx1"/>
+          </a:fontRef>
+        </p:style>
+      </p:cxnSp>
+      <p:cxnSp>
+        <p:nvCxnSpPr>
+          <p:cNvPr id="48" name="Connecteur droit 47"/>
+          <p:cNvCxnSpPr/>
+          <p:nvPr/>
+        </p:nvCxnSpPr>
+        <p:spPr>
+          <a:xfrm flipV="1">
+            <a:off x="1753769" y="4177256"/>
+            <a:ext cx="569714" cy="576064"/>
+          </a:xfrm>
+          <a:prstGeom prst="line">
+            <a:avLst/>
+          </a:prstGeom>
+          <a:ln w="19050">
+            <a:solidFill>
+              <a:schemeClr val="tx1"/>
+            </a:solidFill>
+          </a:ln>
+        </p:spPr>
+        <p:style>
+          <a:lnRef idx="1">
+            <a:schemeClr val="accent1"/>
+          </a:lnRef>
+          <a:fillRef idx="0">
+            <a:schemeClr val="accent1"/>
+          </a:fillRef>
+          <a:effectRef idx="0">
+            <a:schemeClr val="accent1"/>
+          </a:effectRef>
+          <a:fontRef idx="minor">
+            <a:schemeClr val="tx1"/>
+          </a:fontRef>
+        </p:style>
+      </p:cxnSp>
+      <p:cxnSp>
+        <p:nvCxnSpPr>
+          <p:cNvPr id="51" name="Connecteur droit 50"/>
+          <p:cNvCxnSpPr/>
+          <p:nvPr/>
+        </p:nvCxnSpPr>
+        <p:spPr>
+          <a:xfrm>
+            <a:off x="5476098" y="4817472"/>
+            <a:ext cx="536062" cy="0"/>
+          </a:xfrm>
+          <a:prstGeom prst="line">
+            <a:avLst/>
+          </a:prstGeom>
+          <a:ln w="19050">
+            <a:solidFill>
+              <a:schemeClr val="tx1"/>
+            </a:solidFill>
+          </a:ln>
+        </p:spPr>
+        <p:style>
+          <a:lnRef idx="1">
+            <a:schemeClr val="accent1"/>
+          </a:lnRef>
+          <a:fillRef idx="0">
+            <a:schemeClr val="accent1"/>
+          </a:fillRef>
+          <a:effectRef idx="0">
+            <a:schemeClr val="accent1"/>
+          </a:effectRef>
+          <a:fontRef idx="minor">
+            <a:schemeClr val="tx1"/>
+          </a:fontRef>
+        </p:style>
+      </p:cxnSp>
+      <p:cxnSp>
+        <p:nvCxnSpPr>
+          <p:cNvPr id="53" name="Connecteur droit 52"/>
+          <p:cNvCxnSpPr/>
+          <p:nvPr/>
+        </p:nvCxnSpPr>
+        <p:spPr>
+          <a:xfrm>
+            <a:off x="5476098" y="5672470"/>
+            <a:ext cx="536062" cy="0"/>
+          </a:xfrm>
+          <a:prstGeom prst="line">
+            <a:avLst/>
+          </a:prstGeom>
+          <a:ln w="19050">
+            <a:solidFill>
+              <a:schemeClr val="tx1"/>
+            </a:solidFill>
+          </a:ln>
+        </p:spPr>
+        <p:style>
+          <a:lnRef idx="1">
+            <a:schemeClr val="accent1"/>
+          </a:lnRef>
+          <a:fillRef idx="0">
+            <a:schemeClr val="accent1"/>
+          </a:fillRef>
+          <a:effectRef idx="0">
+            <a:schemeClr val="accent1"/>
+          </a:effectRef>
+          <a:fontRef idx="minor">
+            <a:schemeClr val="tx1"/>
+          </a:fontRef>
+        </p:style>
+      </p:cxnSp>
+      <p:cxnSp>
+        <p:nvCxnSpPr>
+          <p:cNvPr id="54" name="Connecteur droit 53"/>
+          <p:cNvCxnSpPr/>
+          <p:nvPr/>
+        </p:nvCxnSpPr>
+        <p:spPr>
+          <a:xfrm>
+            <a:off x="6012160" y="4817472"/>
+            <a:ext cx="0" cy="854998"/>
+          </a:xfrm>
+          <a:prstGeom prst="line">
+            <a:avLst/>
+          </a:prstGeom>
+          <a:ln w="19050">
+            <a:solidFill>
+              <a:schemeClr val="tx1"/>
+            </a:solidFill>
+          </a:ln>
+        </p:spPr>
+        <p:style>
+          <a:lnRef idx="1">
+            <a:schemeClr val="accent1"/>
+          </a:lnRef>
+          <a:fillRef idx="0">
+            <a:schemeClr val="accent1"/>
+          </a:fillRef>
+          <a:effectRef idx="0">
+            <a:schemeClr val="accent1"/>
+          </a:effectRef>
+          <a:fontRef idx="minor">
+            <a:schemeClr val="tx1"/>
+          </a:fontRef>
+        </p:style>
+      </p:cxnSp>
+      <p:cxnSp>
+        <p:nvCxnSpPr>
+          <p:cNvPr id="57" name="Connecteur droit 56"/>
+          <p:cNvCxnSpPr/>
+          <p:nvPr/>
+        </p:nvCxnSpPr>
+        <p:spPr>
+          <a:xfrm>
+            <a:off x="5554384" y="4887761"/>
+            <a:ext cx="1105848" cy="0"/>
+          </a:xfrm>
+          <a:prstGeom prst="line">
+            <a:avLst/>
+          </a:prstGeom>
+          <a:ln w="38100">
+            <a:solidFill>
+              <a:schemeClr val="tx1"/>
+            </a:solidFill>
+          </a:ln>
+        </p:spPr>
+        <p:style>
+          <a:lnRef idx="1">
+            <a:schemeClr val="accent1"/>
+          </a:lnRef>
+          <a:fillRef idx="0">
+            <a:schemeClr val="accent1"/>
+          </a:fillRef>
+          <a:effectRef idx="0">
+            <a:schemeClr val="accent1"/>
+          </a:effectRef>
+          <a:fontRef idx="minor">
+            <a:schemeClr val="tx1"/>
+          </a:fontRef>
+        </p:style>
+      </p:cxnSp>
+      <p:cxnSp>
+        <p:nvCxnSpPr>
+          <p:cNvPr id="59" name="Connecteur droit 58"/>
+          <p:cNvCxnSpPr/>
+          <p:nvPr/>
+        </p:nvCxnSpPr>
+        <p:spPr>
+          <a:xfrm>
+            <a:off x="5554384" y="5600201"/>
+            <a:ext cx="1105848" cy="0"/>
+          </a:xfrm>
+          <a:prstGeom prst="line">
+            <a:avLst/>
+          </a:prstGeom>
+          <a:ln w="38100">
+            <a:solidFill>
+              <a:schemeClr val="tx1"/>
+            </a:solidFill>
+          </a:ln>
+        </p:spPr>
+        <p:style>
+          <a:lnRef idx="1">
+            <a:schemeClr val="accent1"/>
+          </a:lnRef>
+          <a:fillRef idx="0">
+            <a:schemeClr val="accent1"/>
+          </a:fillRef>
+          <a:effectRef idx="0">
+            <a:schemeClr val="accent1"/>
+          </a:effectRef>
+          <a:fontRef idx="minor">
+            <a:schemeClr val="tx1"/>
+          </a:fontRef>
+        </p:style>
+      </p:cxnSp>
+      <p:cxnSp>
+        <p:nvCxnSpPr>
+          <p:cNvPr id="60" name="Connecteur droit 59"/>
+          <p:cNvCxnSpPr/>
+          <p:nvPr/>
+        </p:nvCxnSpPr>
+        <p:spPr>
+          <a:xfrm flipV="1">
+            <a:off x="6660232" y="4887761"/>
+            <a:ext cx="0" cy="712441"/>
+          </a:xfrm>
+          <a:prstGeom prst="line">
+            <a:avLst/>
+          </a:prstGeom>
+          <a:ln w="38100">
+            <a:solidFill>
+              <a:schemeClr val="tx1"/>
+            </a:solidFill>
+          </a:ln>
+        </p:spPr>
+        <p:style>
+          <a:lnRef idx="1">
+            <a:schemeClr val="accent1"/>
+          </a:lnRef>
+          <a:fillRef idx="0">
+            <a:schemeClr val="accent1"/>
+          </a:fillRef>
+          <a:effectRef idx="0">
+            <a:schemeClr val="accent1"/>
+          </a:effectRef>
+          <a:fontRef idx="minor">
+            <a:schemeClr val="tx1"/>
+          </a:fontRef>
+        </p:style>
+      </p:cxnSp>
+      <p:cxnSp>
+        <p:nvCxnSpPr>
+          <p:cNvPr id="64" name="Connecteur droit 63"/>
+          <p:cNvCxnSpPr/>
+          <p:nvPr/>
+        </p:nvCxnSpPr>
+        <p:spPr>
+          <a:xfrm flipH="1" flipV="1">
+            <a:off x="6660232" y="4887761"/>
+            <a:ext cx="144016" cy="360676"/>
+          </a:xfrm>
+          <a:prstGeom prst="line">
+            <a:avLst/>
+          </a:prstGeom>
+          <a:ln w="38100">
+            <a:solidFill>
+              <a:schemeClr val="tx1"/>
+            </a:solidFill>
+          </a:ln>
+        </p:spPr>
+        <p:style>
+          <a:lnRef idx="1">
+            <a:schemeClr val="accent1"/>
+          </a:lnRef>
+          <a:fillRef idx="0">
+            <a:schemeClr val="accent1"/>
+          </a:fillRef>
+          <a:effectRef idx="0">
+            <a:schemeClr val="accent1"/>
+          </a:effectRef>
+          <a:fontRef idx="minor">
+            <a:schemeClr val="tx1"/>
+          </a:fontRef>
+        </p:style>
+      </p:cxnSp>
+      <p:cxnSp>
+        <p:nvCxnSpPr>
+          <p:cNvPr id="67" name="Connecteur droit 66"/>
+          <p:cNvCxnSpPr/>
+          <p:nvPr/>
+        </p:nvCxnSpPr>
+        <p:spPr>
+          <a:xfrm flipH="1">
+            <a:off x="6660232" y="5261306"/>
+            <a:ext cx="144016" cy="360676"/>
+          </a:xfrm>
+          <a:prstGeom prst="line">
+            <a:avLst/>
+          </a:prstGeom>
+          <a:ln w="38100">
+            <a:solidFill>
+              <a:schemeClr val="tx1"/>
+            </a:solidFill>
+          </a:ln>
+        </p:spPr>
+        <p:style>
+          <a:lnRef idx="1">
+            <a:schemeClr val="accent1"/>
+          </a:lnRef>
+          <a:fillRef idx="0">
+            <a:schemeClr val="accent1"/>
+          </a:fillRef>
+          <a:effectRef idx="0">
+            <a:schemeClr val="accent1"/>
+          </a:effectRef>
+          <a:fontRef idx="minor">
+            <a:schemeClr val="tx1"/>
+          </a:fontRef>
+        </p:style>
+      </p:cxnSp>
     </p:spTree>
     <p:extLst>
       <p:ext uri="{BB962C8B-B14F-4D97-AF65-F5344CB8AC3E}">
